--- a/Презентация PDD_NET_16_9_Защита_проекта_синяя.pptx
+++ b/Презентация PDD_NET_16_9_Защита_проекта_синяя.pptx
@@ -10649,8 +10649,14 @@
       </p:grpSpPr>
       <p:sp>
         <p:nvSpPr>
-          <p:cNvPr id="135" name="Google Shape;135;p24"/>
-          <p:cNvSpPr txBox="1">
+          <p:cNvPr id="3" name="Заголовок 2">
+            <a:extLst>
+              <a:ext uri="{FF2B5EF4-FFF2-40B4-BE49-F238E27FC236}">
+                <a16:creationId xmlns:a16="http://schemas.microsoft.com/office/drawing/2014/main" id="{0B69A5EA-D863-A58E-4469-2690207CAA7D}"/>
+              </a:ext>
+            </a:extLst>
+          </p:cNvPr>
+          <p:cNvSpPr>
             <a:spLocks noGrp="1"/>
           </p:cNvSpPr>
           <p:nvPr>
@@ -10659,20 +10665,338 @@
         </p:nvSpPr>
         <p:spPr>
           <a:xfrm>
-            <a:off x="500550" y="330723"/>
+            <a:off x="508107" y="4882"/>
             <a:ext cx="8520600" cy="1095900"/>
+          </a:xfrm>
+        </p:spPr>
+        <p:txBody>
+          <a:bodyPr/>
+          <a:lstStyle/>
+          <a:p>
+            <a:pPr rtl="0">
+              <a:spcBef>
+                <a:spcPts val="0"/>
+              </a:spcBef>
+              <a:spcAft>
+                <a:spcPts val="0"/>
+              </a:spcAft>
+            </a:pPr>
+            <a:r>
+              <a:rPr lang="ru-RU" sz="3000" b="1" i="0" u="none" strike="noStrike" dirty="0">
+                <a:solidFill>
+                  <a:srgbClr val="000000"/>
+                </a:solidFill>
+                <a:effectLst/>
+                <a:latin typeface="Roboto" panose="02000000000000000000" pitchFamily="2" charset="0"/>
+              </a:rPr>
+              <a:t>Сервис «Авторизации и аутентификации пользователя»</a:t>
+            </a:r>
+            <a:br>
+              <a:rPr lang="ru-RU" sz="3000" b="0" dirty="0">
+                <a:effectLst/>
+              </a:rPr>
+            </a:br>
+            <a:br>
+              <a:rPr lang="ru-RU" sz="3000" dirty="0"/>
+            </a:br>
+            <a:endParaRPr lang="ru-RU" sz="3000" dirty="0"/>
+          </a:p>
+        </p:txBody>
+      </p:sp>
+      <p:pic>
+        <p:nvPicPr>
+          <p:cNvPr id="8" name="Google Shape;119;p28">
+            <a:extLst>
+              <a:ext uri="{FF2B5EF4-FFF2-40B4-BE49-F238E27FC236}">
+                <a16:creationId xmlns:a16="http://schemas.microsoft.com/office/drawing/2014/main" id="{3B686DAA-63D4-0203-D43F-18BC3AE470D3}"/>
+              </a:ext>
+            </a:extLst>
+          </p:cNvPr>
+          <p:cNvPicPr preferRelativeResize="0"/>
+          <p:nvPr/>
+        </p:nvPicPr>
+        <p:blipFill>
+          <a:blip r:embed="rId3">
+            <a:alphaModFix/>
+          </a:blip>
+          <a:stretch>
+            <a:fillRect/>
+          </a:stretch>
+        </p:blipFill>
+        <p:spPr>
+          <a:xfrm>
+            <a:off x="1358733" y="1517308"/>
+            <a:ext cx="6335850" cy="3555250"/>
           </a:xfrm>
           <a:prstGeom prst="rect">
             <a:avLst/>
           </a:prstGeom>
+          <a:noFill/>
+          <a:ln>
+            <a:noFill/>
+          </a:ln>
+        </p:spPr>
+      </p:pic>
+      <p:sp>
+        <p:nvSpPr>
+          <p:cNvPr id="9" name="Google Shape;120;p28">
+            <a:extLst>
+              <a:ext uri="{FF2B5EF4-FFF2-40B4-BE49-F238E27FC236}">
+                <a16:creationId xmlns:a16="http://schemas.microsoft.com/office/drawing/2014/main" id="{94987B33-D83F-A977-E704-EF9EF26A6A5A}"/>
+              </a:ext>
+            </a:extLst>
+          </p:cNvPr>
+          <p:cNvSpPr txBox="1"/>
+          <p:nvPr/>
+        </p:nvSpPr>
+        <p:spPr>
+          <a:xfrm>
+            <a:off x="220850" y="963865"/>
+            <a:ext cx="8871000" cy="561000"/>
+          </a:xfrm>
+          <a:prstGeom prst="rect">
+            <a:avLst/>
+          </a:prstGeom>
+          <a:noFill/>
+          <a:ln>
+            <a:noFill/>
+          </a:ln>
         </p:spPr>
         <p:txBody>
           <a:bodyPr spcFirstLastPara="1" wrap="square" lIns="91425" tIns="91425" rIns="91425" bIns="91425" anchor="t" anchorCtr="0">
             <a:noAutofit/>
           </a:bodyPr>
-          <a:lstStyle/>
+          <a:lstStyle>
+            <a:defPPr marR="0" lvl="0" algn="l" rtl="0">
+              <a:lnSpc>
+                <a:spcPct val="100000"/>
+              </a:lnSpc>
+              <a:spcBef>
+                <a:spcPts val="0"/>
+              </a:spcBef>
+              <a:spcAft>
+                <a:spcPts val="0"/>
+              </a:spcAft>
+            </a:defPPr>
+            <a:lvl1pPr marR="0" lvl="0" algn="l" rtl="0">
+              <a:lnSpc>
+                <a:spcPct val="100000"/>
+              </a:lnSpc>
+              <a:spcBef>
+                <a:spcPts val="0"/>
+              </a:spcBef>
+              <a:spcAft>
+                <a:spcPts val="0"/>
+              </a:spcAft>
+              <a:buClr>
+                <a:srgbClr val="000000"/>
+              </a:buClr>
+              <a:buFont typeface="Arial"/>
+              <a:defRPr sz="1400" b="0" i="0" u="none" strike="noStrike" cap="none">
+                <a:solidFill>
+                  <a:srgbClr val="000000"/>
+                </a:solidFill>
+                <a:latin typeface="Arial"/>
+                <a:ea typeface="Arial"/>
+                <a:cs typeface="Arial"/>
+                <a:sym typeface="Arial"/>
+              </a:defRPr>
+            </a:lvl1pPr>
+            <a:lvl2pPr marR="0" lvl="1" algn="l" rtl="0">
+              <a:lnSpc>
+                <a:spcPct val="100000"/>
+              </a:lnSpc>
+              <a:spcBef>
+                <a:spcPts val="0"/>
+              </a:spcBef>
+              <a:spcAft>
+                <a:spcPts val="0"/>
+              </a:spcAft>
+              <a:buClr>
+                <a:srgbClr val="000000"/>
+              </a:buClr>
+              <a:buFont typeface="Arial"/>
+              <a:defRPr sz="1400" b="0" i="0" u="none" strike="noStrike" cap="none">
+                <a:solidFill>
+                  <a:srgbClr val="000000"/>
+                </a:solidFill>
+                <a:latin typeface="Arial"/>
+                <a:ea typeface="Arial"/>
+                <a:cs typeface="Arial"/>
+                <a:sym typeface="Arial"/>
+              </a:defRPr>
+            </a:lvl2pPr>
+            <a:lvl3pPr marR="0" lvl="2" algn="l" rtl="0">
+              <a:lnSpc>
+                <a:spcPct val="100000"/>
+              </a:lnSpc>
+              <a:spcBef>
+                <a:spcPts val="0"/>
+              </a:spcBef>
+              <a:spcAft>
+                <a:spcPts val="0"/>
+              </a:spcAft>
+              <a:buClr>
+                <a:srgbClr val="000000"/>
+              </a:buClr>
+              <a:buFont typeface="Arial"/>
+              <a:defRPr sz="1400" b="0" i="0" u="none" strike="noStrike" cap="none">
+                <a:solidFill>
+                  <a:srgbClr val="000000"/>
+                </a:solidFill>
+                <a:latin typeface="Arial"/>
+                <a:ea typeface="Arial"/>
+                <a:cs typeface="Arial"/>
+                <a:sym typeface="Arial"/>
+              </a:defRPr>
+            </a:lvl3pPr>
+            <a:lvl4pPr marR="0" lvl="3" algn="l" rtl="0">
+              <a:lnSpc>
+                <a:spcPct val="100000"/>
+              </a:lnSpc>
+              <a:spcBef>
+                <a:spcPts val="0"/>
+              </a:spcBef>
+              <a:spcAft>
+                <a:spcPts val="0"/>
+              </a:spcAft>
+              <a:buClr>
+                <a:srgbClr val="000000"/>
+              </a:buClr>
+              <a:buFont typeface="Arial"/>
+              <a:defRPr sz="1400" b="0" i="0" u="none" strike="noStrike" cap="none">
+                <a:solidFill>
+                  <a:srgbClr val="000000"/>
+                </a:solidFill>
+                <a:latin typeface="Arial"/>
+                <a:ea typeface="Arial"/>
+                <a:cs typeface="Arial"/>
+                <a:sym typeface="Arial"/>
+              </a:defRPr>
+            </a:lvl4pPr>
+            <a:lvl5pPr marR="0" lvl="4" algn="l" rtl="0">
+              <a:lnSpc>
+                <a:spcPct val="100000"/>
+              </a:lnSpc>
+              <a:spcBef>
+                <a:spcPts val="0"/>
+              </a:spcBef>
+              <a:spcAft>
+                <a:spcPts val="0"/>
+              </a:spcAft>
+              <a:buClr>
+                <a:srgbClr val="000000"/>
+              </a:buClr>
+              <a:buFont typeface="Arial"/>
+              <a:defRPr sz="1400" b="0" i="0" u="none" strike="noStrike" cap="none">
+                <a:solidFill>
+                  <a:srgbClr val="000000"/>
+                </a:solidFill>
+                <a:latin typeface="Arial"/>
+                <a:ea typeface="Arial"/>
+                <a:cs typeface="Arial"/>
+                <a:sym typeface="Arial"/>
+              </a:defRPr>
+            </a:lvl5pPr>
+            <a:lvl6pPr marR="0" lvl="5" algn="l" rtl="0">
+              <a:lnSpc>
+                <a:spcPct val="100000"/>
+              </a:lnSpc>
+              <a:spcBef>
+                <a:spcPts val="0"/>
+              </a:spcBef>
+              <a:spcAft>
+                <a:spcPts val="0"/>
+              </a:spcAft>
+              <a:buClr>
+                <a:srgbClr val="000000"/>
+              </a:buClr>
+              <a:buFont typeface="Arial"/>
+              <a:defRPr sz="1400" b="0" i="0" u="none" strike="noStrike" cap="none">
+                <a:solidFill>
+                  <a:srgbClr val="000000"/>
+                </a:solidFill>
+                <a:latin typeface="Arial"/>
+                <a:ea typeface="Arial"/>
+                <a:cs typeface="Arial"/>
+                <a:sym typeface="Arial"/>
+              </a:defRPr>
+            </a:lvl6pPr>
+            <a:lvl7pPr marR="0" lvl="6" algn="l" rtl="0">
+              <a:lnSpc>
+                <a:spcPct val="100000"/>
+              </a:lnSpc>
+              <a:spcBef>
+                <a:spcPts val="0"/>
+              </a:spcBef>
+              <a:spcAft>
+                <a:spcPts val="0"/>
+              </a:spcAft>
+              <a:buClr>
+                <a:srgbClr val="000000"/>
+              </a:buClr>
+              <a:buFont typeface="Arial"/>
+              <a:defRPr sz="1400" b="0" i="0" u="none" strike="noStrike" cap="none">
+                <a:solidFill>
+                  <a:srgbClr val="000000"/>
+                </a:solidFill>
+                <a:latin typeface="Arial"/>
+                <a:ea typeface="Arial"/>
+                <a:cs typeface="Arial"/>
+                <a:sym typeface="Arial"/>
+              </a:defRPr>
+            </a:lvl7pPr>
+            <a:lvl8pPr marR="0" lvl="7" algn="l" rtl="0">
+              <a:lnSpc>
+                <a:spcPct val="100000"/>
+              </a:lnSpc>
+              <a:spcBef>
+                <a:spcPts val="0"/>
+              </a:spcBef>
+              <a:spcAft>
+                <a:spcPts val="0"/>
+              </a:spcAft>
+              <a:buClr>
+                <a:srgbClr val="000000"/>
+              </a:buClr>
+              <a:buFont typeface="Arial"/>
+              <a:defRPr sz="1400" b="0" i="0" u="none" strike="noStrike" cap="none">
+                <a:solidFill>
+                  <a:srgbClr val="000000"/>
+                </a:solidFill>
+                <a:latin typeface="Arial"/>
+                <a:ea typeface="Arial"/>
+                <a:cs typeface="Arial"/>
+                <a:sym typeface="Arial"/>
+              </a:defRPr>
+            </a:lvl8pPr>
+            <a:lvl9pPr marR="0" lvl="8" algn="l" rtl="0">
+              <a:lnSpc>
+                <a:spcPct val="100000"/>
+              </a:lnSpc>
+              <a:spcBef>
+                <a:spcPts val="0"/>
+              </a:spcBef>
+              <a:spcAft>
+                <a:spcPts val="0"/>
+              </a:spcAft>
+              <a:buClr>
+                <a:srgbClr val="000000"/>
+              </a:buClr>
+              <a:buFont typeface="Arial"/>
+              <a:defRPr sz="1400" b="0" i="0" u="none" strike="noStrike" cap="none">
+                <a:solidFill>
+                  <a:srgbClr val="000000"/>
+                </a:solidFill>
+                <a:latin typeface="Arial"/>
+                <a:ea typeface="Arial"/>
+                <a:cs typeface="Arial"/>
+                <a:sym typeface="Arial"/>
+              </a:defRPr>
+            </a:lvl9pPr>
+          </a:lstStyle>
           <a:p>
-            <a:pPr marL="0" lvl="0" indent="0" algn="l" rtl="0">
+            <a:pPr marL="0" lvl="0" indent="0" algn="ctr" rtl="0">
               <a:spcBef>
                 <a:spcPts val="0"/>
               </a:spcBef>
@@ -10682,84 +11006,29 @@
               <a:buNone/>
             </a:pPr>
             <a:r>
-              <a:rPr lang="ru-RU" sz="3000" dirty="0"/>
-              <a:t>Сервис «Авторизации и аутентификации пользователя»</a:t>
+              <a:rPr lang="ru" dirty="0">
+                <a:solidFill>
+                  <a:schemeClr val="dk1"/>
+                </a:solidFill>
+                <a:latin typeface="Roboto"/>
+                <a:ea typeface="Roboto"/>
+                <a:cs typeface="Roboto"/>
+                <a:sym typeface="Roboto"/>
+              </a:rPr>
+              <a:t>PackageReferences: Microsoft.EntityFrameworkCore, Npgsql.EntityFrameworkCore.PostgreSQL, Microsoft.AspNetCore.Authentication.JwtBearer, BCrypt.Net-Next</a:t>
             </a:r>
-            <a:endParaRPr sz="3000" dirty="0"/>
-          </a:p>
-          <a:p>
-            <a:pPr marL="0" lvl="0" indent="0" algn="l" rtl="0">
-              <a:spcBef>
-                <a:spcPts val="0"/>
-              </a:spcBef>
-              <a:spcAft>
-                <a:spcPts val="0"/>
-              </a:spcAft>
-              <a:buNone/>
-            </a:pPr>
-            <a:endParaRPr sz="3000" dirty="0"/>
-          </a:p>
-          <a:p>
-            <a:pPr marL="0" lvl="0" indent="0" algn="l" rtl="0">
-              <a:spcBef>
-                <a:spcPts val="0"/>
-              </a:spcBef>
-              <a:spcAft>
-                <a:spcPts val="0"/>
-              </a:spcAft>
-              <a:buNone/>
-            </a:pPr>
-            <a:endParaRPr sz="3000" dirty="0"/>
+            <a:endParaRPr dirty="0">
+              <a:solidFill>
+                <a:schemeClr val="dk1"/>
+              </a:solidFill>
+              <a:latin typeface="Roboto"/>
+              <a:ea typeface="Roboto"/>
+              <a:cs typeface="Roboto"/>
+              <a:sym typeface="Roboto"/>
+            </a:endParaRPr>
           </a:p>
         </p:txBody>
       </p:sp>
-      <p:pic>
-        <p:nvPicPr>
-          <p:cNvPr id="1026" name="Picture 2" descr="JWT authorization code flow">
-            <a:extLst>
-              <a:ext uri="{FF2B5EF4-FFF2-40B4-BE49-F238E27FC236}">
-                <a16:creationId xmlns:a16="http://schemas.microsoft.com/office/drawing/2014/main" id="{424C23F0-ED7C-4815-9A29-3DADFC8FE75B}"/>
-              </a:ext>
-            </a:extLst>
-          </p:cNvPr>
-          <p:cNvPicPr>
-            <a:picLocks noChangeAspect="1" noChangeArrowheads="1"/>
-          </p:cNvPicPr>
-          <p:nvPr/>
-        </p:nvPicPr>
-        <p:blipFill>
-          <a:blip r:embed="rId3">
-            <a:extLst>
-              <a:ext uri="{28A0092B-C50C-407E-A947-70E740481C1C}">
-                <a14:useLocalDpi xmlns:a14="http://schemas.microsoft.com/office/drawing/2010/main" val="0"/>
-              </a:ext>
-            </a:extLst>
-          </a:blip>
-          <a:srcRect/>
-          <a:stretch>
-            <a:fillRect/>
-          </a:stretch>
-        </p:blipFill>
-        <p:spPr bwMode="auto">
-          <a:xfrm>
-            <a:off x="1318954" y="1793421"/>
-            <a:ext cx="6594764" cy="2740949"/>
-          </a:xfrm>
-          <a:prstGeom prst="rect">
-            <a:avLst/>
-          </a:prstGeom>
-          <a:noFill/>
-          <a:extLst>
-            <a:ext uri="{909E8E84-426E-40DD-AFC4-6F175D3DCCD1}">
-              <a14:hiddenFill xmlns:a14="http://schemas.microsoft.com/office/drawing/2010/main">
-                <a:solidFill>
-                  <a:srgbClr val="FFFFFF"/>
-                </a:solidFill>
-              </a14:hiddenFill>
-            </a:ext>
-          </a:extLst>
-        </p:spPr>
-      </p:pic>
     </p:spTree>
     <p:extLst>
       <p:ext uri="{BB962C8B-B14F-4D97-AF65-F5344CB8AC3E}">
@@ -10792,8 +11061,14 @@
       </p:grpSpPr>
       <p:sp>
         <p:nvSpPr>
-          <p:cNvPr id="135" name="Google Shape;135;p24"/>
-          <p:cNvSpPr txBox="1">
+          <p:cNvPr id="3" name="Заголовок 2">
+            <a:extLst>
+              <a:ext uri="{FF2B5EF4-FFF2-40B4-BE49-F238E27FC236}">
+                <a16:creationId xmlns:a16="http://schemas.microsoft.com/office/drawing/2014/main" id="{83369435-EFA5-51BE-C755-957C4104B7C4}"/>
+              </a:ext>
+            </a:extLst>
+          </p:cNvPr>
+          <p:cNvSpPr>
             <a:spLocks noGrp="1"/>
           </p:cNvSpPr>
           <p:nvPr>
@@ -10802,12 +11077,278 @@
         </p:nvSpPr>
         <p:spPr>
           <a:xfrm>
-            <a:off x="500550" y="330723"/>
+            <a:off x="449348" y="35623"/>
             <a:ext cx="8520600" cy="1095900"/>
+          </a:xfrm>
+        </p:spPr>
+        <p:txBody>
+          <a:bodyPr/>
+          <a:lstStyle/>
+          <a:p>
+            <a:r>
+              <a:rPr lang="ru" sz="3000" dirty="0"/>
+              <a:t>Реализация логирования</a:t>
+            </a:r>
+            <a:endParaRPr lang="ru-RU" sz="3000" dirty="0"/>
+          </a:p>
+        </p:txBody>
+      </p:sp>
+      <p:sp>
+        <p:nvSpPr>
+          <p:cNvPr id="9" name="Google Shape;126;p29">
+            <a:extLst>
+              <a:ext uri="{FF2B5EF4-FFF2-40B4-BE49-F238E27FC236}">
+                <a16:creationId xmlns:a16="http://schemas.microsoft.com/office/drawing/2014/main" id="{837AC60E-4DF0-F2D2-74D3-A3CADEEBEFE2}"/>
+              </a:ext>
+            </a:extLst>
+          </p:cNvPr>
+          <p:cNvSpPr txBox="1"/>
+          <p:nvPr/>
+        </p:nvSpPr>
+        <p:spPr>
+          <a:xfrm>
+            <a:off x="449348" y="2055756"/>
+            <a:ext cx="8520600" cy="1598612"/>
           </a:xfrm>
           <a:prstGeom prst="rect">
             <a:avLst/>
           </a:prstGeom>
+          <a:noFill/>
+          <a:ln>
+            <a:noFill/>
+          </a:ln>
+        </p:spPr>
+        <p:txBody>
+          <a:bodyPr spcFirstLastPara="1" wrap="square" lIns="91425" tIns="91425" rIns="91425" bIns="91425" anchor="t" anchorCtr="0">
+            <a:spAutoFit/>
+          </a:bodyPr>
+          <a:lstStyle/>
+          <a:p>
+            <a:pPr marL="0" lvl="0" indent="0" algn="l" rtl="0">
+              <a:lnSpc>
+                <a:spcPct val="130000"/>
+              </a:lnSpc>
+              <a:spcBef>
+                <a:spcPts val="2800"/>
+              </a:spcBef>
+              <a:spcAft>
+                <a:spcPts val="0"/>
+              </a:spcAft>
+              <a:buNone/>
+            </a:pPr>
+            <a:r>
+              <a:rPr lang="ru" sz="1700" dirty="0">
+                <a:solidFill>
+                  <a:srgbClr val="0C0D0E"/>
+                </a:solidFill>
+                <a:highlight>
+                  <a:srgbClr val="FFFFFF"/>
+                </a:highlight>
+              </a:rPr>
+              <a:t>PackageReferences: Microsoft.Extensions.Logging + NLog, NLog.Web.AspNetCore</a:t>
+            </a:r>
+            <a:endParaRPr sz="1700" dirty="0">
+              <a:solidFill>
+                <a:srgbClr val="0C0D0E"/>
+              </a:solidFill>
+              <a:highlight>
+                <a:srgbClr val="FFFFFF"/>
+              </a:highlight>
+            </a:endParaRPr>
+          </a:p>
+          <a:p>
+            <a:pPr marL="0" lvl="0" indent="0" algn="l" rtl="0">
+              <a:lnSpc>
+                <a:spcPct val="115000"/>
+              </a:lnSpc>
+              <a:spcBef>
+                <a:spcPts val="1200"/>
+              </a:spcBef>
+              <a:spcAft>
+                <a:spcPts val="1200"/>
+              </a:spcAft>
+              <a:buNone/>
+            </a:pPr>
+            <a:r>
+              <a:rPr lang="ru-RU" sz="1150" dirty="0">
+                <a:solidFill>
+                  <a:srgbClr val="0C0D0E"/>
+                </a:solidFill>
+                <a:highlight>
+                  <a:srgbClr val="FFFFFF"/>
+                </a:highlight>
+              </a:rPr>
+              <a:t>С .NET Core Microsoft представила абстракцию </a:t>
+            </a:r>
+            <a:r>
+              <a:rPr lang="ru-RU" sz="1150" dirty="0" err="1">
+                <a:solidFill>
+                  <a:srgbClr val="0C0D0E"/>
+                </a:solidFill>
+                <a:highlight>
+                  <a:srgbClr val="FFFFFF"/>
+                </a:highlight>
+              </a:rPr>
+              <a:t>ILogger</a:t>
+            </a:r>
+            <a:r>
+              <a:rPr lang="ru-RU" sz="1150" dirty="0">
+                <a:solidFill>
+                  <a:srgbClr val="0C0D0E"/>
+                </a:solidFill>
+                <a:highlight>
+                  <a:srgbClr val="FFFFFF"/>
+                </a:highlight>
+              </a:rPr>
+              <a:t> из </a:t>
+            </a:r>
+            <a:r>
+              <a:rPr lang="ru-RU" sz="1150" dirty="0" err="1">
+                <a:solidFill>
+                  <a:srgbClr val="0C0D0E"/>
+                </a:solidFill>
+                <a:highlight>
+                  <a:srgbClr val="FFFFFF"/>
+                </a:highlight>
+              </a:rPr>
+              <a:t>Microsoft.Extensions.Logging</a:t>
+            </a:r>
+            <a:r>
+              <a:rPr lang="ru-RU" sz="1150" dirty="0">
+                <a:solidFill>
+                  <a:srgbClr val="0C0D0E"/>
+                </a:solidFill>
+                <a:highlight>
+                  <a:srgbClr val="FFFFFF"/>
+                </a:highlight>
+              </a:rPr>
+              <a:t>. Вы можете использовать эту абстракцию логирования в своем проекте и интегрировать ее с </a:t>
+            </a:r>
+            <a:r>
+              <a:rPr lang="ru-RU" sz="1150" dirty="0" err="1">
+                <a:solidFill>
+                  <a:srgbClr val="0C0D0E"/>
+                </a:solidFill>
+                <a:highlight>
+                  <a:srgbClr val="FFFFFF"/>
+                </a:highlight>
+              </a:rPr>
+              <a:t>NLog</a:t>
+            </a:r>
+            <a:r>
+              <a:rPr lang="ru-RU" sz="1150" dirty="0">
+                <a:solidFill>
+                  <a:srgbClr val="0C0D0E"/>
+                </a:solidFill>
+                <a:highlight>
+                  <a:srgbClr val="FFFFFF"/>
+                </a:highlight>
+              </a:rPr>
+              <a:t>.</a:t>
+            </a:r>
+            <a:endParaRPr sz="1150" dirty="0">
+              <a:solidFill>
+                <a:srgbClr val="0C0D0E"/>
+              </a:solidFill>
+              <a:highlight>
+                <a:srgbClr val="FFFFFF"/>
+              </a:highlight>
+            </a:endParaRPr>
+          </a:p>
+        </p:txBody>
+      </p:sp>
+      <p:pic>
+        <p:nvPicPr>
+          <p:cNvPr id="10" name="Google Shape;127;p29">
+            <a:extLst>
+              <a:ext uri="{FF2B5EF4-FFF2-40B4-BE49-F238E27FC236}">
+                <a16:creationId xmlns:a16="http://schemas.microsoft.com/office/drawing/2014/main" id="{61D4AC3A-94A2-0BE8-0CCF-C2199B41F41E}"/>
+              </a:ext>
+            </a:extLst>
+          </p:cNvPr>
+          <p:cNvPicPr preferRelativeResize="0"/>
+          <p:nvPr/>
+        </p:nvPicPr>
+        <p:blipFill>
+          <a:blip r:embed="rId3">
+            <a:alphaModFix/>
+          </a:blip>
+          <a:stretch>
+            <a:fillRect/>
+          </a:stretch>
+        </p:blipFill>
+        <p:spPr>
+          <a:xfrm>
+            <a:off x="397298" y="1284948"/>
+            <a:ext cx="3895101" cy="509300"/>
+          </a:xfrm>
+          <a:prstGeom prst="rect">
+            <a:avLst/>
+          </a:prstGeom>
+          <a:noFill/>
+          <a:ln>
+            <a:noFill/>
+          </a:ln>
+        </p:spPr>
+      </p:pic>
+      <p:pic>
+        <p:nvPicPr>
+          <p:cNvPr id="11" name="Google Shape;128;p29">
+            <a:extLst>
+              <a:ext uri="{FF2B5EF4-FFF2-40B4-BE49-F238E27FC236}">
+                <a16:creationId xmlns:a16="http://schemas.microsoft.com/office/drawing/2014/main" id="{278E35B6-20AA-E13E-3BCD-D24F05FEDB2E}"/>
+              </a:ext>
+            </a:extLst>
+          </p:cNvPr>
+          <p:cNvPicPr preferRelativeResize="0"/>
+          <p:nvPr/>
+        </p:nvPicPr>
+        <p:blipFill>
+          <a:blip r:embed="rId4">
+            <a:alphaModFix/>
+          </a:blip>
+          <a:stretch>
+            <a:fillRect/>
+          </a:stretch>
+        </p:blipFill>
+        <p:spPr>
+          <a:xfrm>
+            <a:off x="4550348" y="1042873"/>
+            <a:ext cx="4419600" cy="993455"/>
+          </a:xfrm>
+          <a:prstGeom prst="rect">
+            <a:avLst/>
+          </a:prstGeom>
+          <a:noFill/>
+          <a:ln>
+            <a:noFill/>
+          </a:ln>
+        </p:spPr>
+      </p:pic>
+      <p:sp>
+        <p:nvSpPr>
+          <p:cNvPr id="12" name="Google Shape;129;p29">
+            <a:extLst>
+              <a:ext uri="{FF2B5EF4-FFF2-40B4-BE49-F238E27FC236}">
+                <a16:creationId xmlns:a16="http://schemas.microsoft.com/office/drawing/2014/main" id="{A06CA9CC-FDE8-1DAB-C252-25E491FC711E}"/>
+              </a:ext>
+            </a:extLst>
+          </p:cNvPr>
+          <p:cNvSpPr txBox="1"/>
+          <p:nvPr/>
+        </p:nvSpPr>
+        <p:spPr>
+          <a:xfrm>
+            <a:off x="2344848" y="3043578"/>
+            <a:ext cx="4180800" cy="2228651"/>
+          </a:xfrm>
+          <a:prstGeom prst="rect">
+            <a:avLst/>
+          </a:prstGeom>
+          <a:noFill/>
+          <a:ln>
+            <a:noFill/>
+          </a:ln>
         </p:spPr>
         <p:txBody>
           <a:bodyPr spcFirstLastPara="1" wrap="square" lIns="91425" tIns="91425" rIns="91425" bIns="91425" anchor="t" anchorCtr="0">
@@ -10816,8 +11357,11 @@
           <a:lstStyle/>
           <a:p>
             <a:pPr marL="0" lvl="0" indent="0" algn="l" rtl="0">
-              <a:spcBef>
-                <a:spcPts val="0"/>
+              <a:lnSpc>
+                <a:spcPct val="156923"/>
+              </a:lnSpc>
+              <a:spcBef>
+                <a:spcPts val="1600"/>
               </a:spcBef>
               <a:spcAft>
                 <a:spcPts val="0"/>
@@ -10825,84 +11369,315 @@
               <a:buNone/>
             </a:pPr>
             <a:r>
-              <a:rPr lang="ru-RU" sz="3000" dirty="0"/>
-              <a:t>Сервис «Логирование»</a:t>
+              <a:rPr lang="ru" sz="1300" dirty="0">
+                <a:solidFill>
+                  <a:srgbClr val="374151"/>
+                </a:solidFill>
+                <a:highlight>
+                  <a:srgbClr val="FFFFFF"/>
+                </a:highlight>
+                <a:latin typeface="+mj-lt"/>
+                <a:ea typeface="Roboto" panose="02000000000000000000" pitchFamily="2" charset="0"/>
+                <a:cs typeface="Roboto" panose="02000000000000000000" pitchFamily="2" charset="0"/>
+                <a:sym typeface="Roboto"/>
+              </a:rPr>
+              <a:t>Шаги:</a:t>
             </a:r>
-            <a:endParaRPr sz="3000" dirty="0"/>
+            <a:endParaRPr sz="1200" dirty="0">
+              <a:solidFill>
+                <a:srgbClr val="374151"/>
+              </a:solidFill>
+              <a:highlight>
+                <a:srgbClr val="FFFFFF"/>
+              </a:highlight>
+              <a:latin typeface="+mj-lt"/>
+              <a:ea typeface="Roboto" panose="02000000000000000000" pitchFamily="2" charset="0"/>
+              <a:cs typeface="Roboto" panose="02000000000000000000" pitchFamily="2" charset="0"/>
+              <a:sym typeface="Roboto"/>
+            </a:endParaRPr>
+          </a:p>
+          <a:p>
+            <a:pPr marL="457200" lvl="0" indent="-304800" algn="l" rtl="0">
+              <a:lnSpc>
+                <a:spcPct val="115000"/>
+              </a:lnSpc>
+              <a:spcBef>
+                <a:spcPts val="1600"/>
+              </a:spcBef>
+              <a:spcAft>
+                <a:spcPts val="0"/>
+              </a:spcAft>
+              <a:buClr>
+                <a:srgbClr val="374151"/>
+              </a:buClr>
+              <a:buSzPts val="1200"/>
+              <a:buFont typeface="Roboto"/>
+              <a:buChar char="●"/>
+            </a:pPr>
+            <a:r>
+              <a:rPr lang="ru-RU" sz="1150" dirty="0">
+                <a:solidFill>
+                  <a:srgbClr val="374151"/>
+                </a:solidFill>
+                <a:latin typeface="+mj-lt"/>
+                <a:ea typeface="Roboto" panose="02000000000000000000" pitchFamily="2" charset="0"/>
+                <a:cs typeface="Roboto" panose="02000000000000000000" pitchFamily="2" charset="0"/>
+                <a:sym typeface="Roboto"/>
+              </a:rPr>
+              <a:t>Установите</a:t>
+            </a:r>
+            <a:r>
+              <a:rPr lang="en-US" sz="1150" dirty="0">
+                <a:solidFill>
+                  <a:srgbClr val="374151"/>
+                </a:solidFill>
+                <a:latin typeface="+mj-lt"/>
+                <a:ea typeface="Roboto" panose="02000000000000000000" pitchFamily="2" charset="0"/>
+                <a:cs typeface="Roboto" panose="02000000000000000000" pitchFamily="2" charset="0"/>
+                <a:sym typeface="Roboto"/>
+              </a:rPr>
+              <a:t> </a:t>
+            </a:r>
+            <a:r>
+              <a:rPr lang="en-US" sz="1150" dirty="0" err="1">
+                <a:solidFill>
+                  <a:srgbClr val="374151"/>
+                </a:solidFill>
+                <a:latin typeface="+mj-lt"/>
+                <a:ea typeface="Roboto" panose="02000000000000000000" pitchFamily="2" charset="0"/>
+                <a:cs typeface="Roboto" panose="02000000000000000000" pitchFamily="2" charset="0"/>
+                <a:sym typeface="Roboto"/>
+              </a:rPr>
+              <a:t>NLog</a:t>
+            </a:r>
+            <a:r>
+              <a:rPr lang="en-US" sz="1150" dirty="0">
+                <a:solidFill>
+                  <a:srgbClr val="374151"/>
+                </a:solidFill>
+                <a:latin typeface="+mj-lt"/>
+                <a:ea typeface="Roboto" panose="02000000000000000000" pitchFamily="2" charset="0"/>
+                <a:cs typeface="Roboto" panose="02000000000000000000" pitchFamily="2" charset="0"/>
+                <a:sym typeface="Roboto"/>
+              </a:rPr>
+              <a:t> </a:t>
+            </a:r>
+            <a:r>
+              <a:rPr lang="ru-RU" sz="1150" dirty="0">
+                <a:solidFill>
+                  <a:srgbClr val="374151"/>
+                </a:solidFill>
+                <a:latin typeface="+mj-lt"/>
+                <a:ea typeface="Roboto" panose="02000000000000000000" pitchFamily="2" charset="0"/>
+                <a:cs typeface="Roboto" panose="02000000000000000000" pitchFamily="2" charset="0"/>
+                <a:sym typeface="Roboto"/>
+              </a:rPr>
+              <a:t>и его зависимости</a:t>
+            </a:r>
+            <a:r>
+              <a:rPr lang="en-US" sz="1150" dirty="0">
+                <a:solidFill>
+                  <a:srgbClr val="374151"/>
+                </a:solidFill>
+                <a:latin typeface="+mj-lt"/>
+                <a:ea typeface="Roboto" panose="02000000000000000000" pitchFamily="2" charset="0"/>
+                <a:cs typeface="Roboto" panose="02000000000000000000" pitchFamily="2" charset="0"/>
+                <a:sym typeface="Roboto"/>
+              </a:rPr>
+              <a:t>.</a:t>
+            </a:r>
+          </a:p>
+          <a:p>
+            <a:pPr marL="457200" lvl="0" indent="-304800" algn="l" rtl="0">
+              <a:lnSpc>
+                <a:spcPct val="115000"/>
+              </a:lnSpc>
+              <a:spcBef>
+                <a:spcPts val="0"/>
+              </a:spcBef>
+              <a:spcAft>
+                <a:spcPts val="0"/>
+              </a:spcAft>
+              <a:buClr>
+                <a:srgbClr val="374151"/>
+              </a:buClr>
+              <a:buSzPts val="1200"/>
+              <a:buFont typeface="Roboto"/>
+              <a:buChar char="●"/>
+            </a:pPr>
+            <a:r>
+              <a:rPr lang="ru-RU" sz="1150" dirty="0">
+                <a:solidFill>
+                  <a:srgbClr val="374151"/>
+                </a:solidFill>
+                <a:latin typeface="+mj-lt"/>
+                <a:ea typeface="Roboto" panose="02000000000000000000" pitchFamily="2" charset="0"/>
+                <a:cs typeface="Roboto" panose="02000000000000000000" pitchFamily="2" charset="0"/>
+                <a:sym typeface="Roboto"/>
+              </a:rPr>
+              <a:t>Создайте и сконфигурируйте логгер </a:t>
+            </a:r>
+            <a:r>
+              <a:rPr lang="en-US" sz="1150" dirty="0" err="1">
+                <a:solidFill>
+                  <a:srgbClr val="374151"/>
+                </a:solidFill>
+                <a:latin typeface="+mj-lt"/>
+                <a:ea typeface="Roboto" panose="02000000000000000000" pitchFamily="2" charset="0"/>
+                <a:cs typeface="Roboto" panose="02000000000000000000" pitchFamily="2" charset="0"/>
+                <a:sym typeface="Roboto"/>
+              </a:rPr>
+              <a:t>Nlog</a:t>
+            </a:r>
+            <a:r>
+              <a:rPr lang="en-US" sz="1150" dirty="0">
+                <a:solidFill>
+                  <a:srgbClr val="374151"/>
+                </a:solidFill>
+                <a:latin typeface="+mj-lt"/>
+                <a:ea typeface="Roboto" panose="02000000000000000000" pitchFamily="2" charset="0"/>
+                <a:cs typeface="Roboto" panose="02000000000000000000" pitchFamily="2" charset="0"/>
+                <a:sym typeface="Roboto"/>
+              </a:rPr>
+              <a:t> (</a:t>
+            </a:r>
+            <a:r>
+              <a:rPr lang="ru-RU" sz="1150" dirty="0">
+                <a:solidFill>
+                  <a:srgbClr val="374151"/>
+                </a:solidFill>
+                <a:latin typeface="+mj-lt"/>
+                <a:ea typeface="Roboto" panose="02000000000000000000" pitchFamily="2" charset="0"/>
+                <a:cs typeface="Roboto" panose="02000000000000000000" pitchFamily="2" charset="0"/>
+                <a:sym typeface="Roboto"/>
+              </a:rPr>
+              <a:t>конфигурация в </a:t>
+            </a:r>
+            <a:r>
+              <a:rPr lang="en-US" sz="1150" dirty="0" err="1">
+                <a:solidFill>
+                  <a:srgbClr val="374151"/>
+                </a:solidFill>
+                <a:latin typeface="+mj-lt"/>
+                <a:ea typeface="Roboto" panose="02000000000000000000" pitchFamily="2" charset="0"/>
+                <a:cs typeface="Roboto" panose="02000000000000000000" pitchFamily="2" charset="0"/>
+                <a:sym typeface="Roboto"/>
+              </a:rPr>
+              <a:t>Nlog.config</a:t>
+            </a:r>
+            <a:r>
+              <a:rPr lang="en-US" sz="1150" dirty="0">
+                <a:solidFill>
+                  <a:srgbClr val="374151"/>
+                </a:solidFill>
+                <a:latin typeface="+mj-lt"/>
+                <a:ea typeface="Roboto" panose="02000000000000000000" pitchFamily="2" charset="0"/>
+                <a:cs typeface="Roboto" panose="02000000000000000000" pitchFamily="2" charset="0"/>
+                <a:sym typeface="Roboto"/>
+              </a:rPr>
+              <a:t>).</a:t>
+            </a:r>
+          </a:p>
+          <a:p>
+            <a:pPr marL="457200" lvl="0" indent="-304800" algn="l" rtl="0">
+              <a:lnSpc>
+                <a:spcPct val="115000"/>
+              </a:lnSpc>
+              <a:spcBef>
+                <a:spcPts val="0"/>
+              </a:spcBef>
+              <a:spcAft>
+                <a:spcPts val="0"/>
+              </a:spcAft>
+              <a:buClr>
+                <a:srgbClr val="374151"/>
+              </a:buClr>
+              <a:buSzPts val="1200"/>
+              <a:buFont typeface="Roboto"/>
+              <a:buChar char="●"/>
+            </a:pPr>
+            <a:r>
+              <a:rPr lang="ru-RU" sz="1150" dirty="0">
+                <a:solidFill>
+                  <a:srgbClr val="374151"/>
+                </a:solidFill>
+                <a:latin typeface="+mj-lt"/>
+                <a:ea typeface="Roboto" panose="02000000000000000000" pitchFamily="2" charset="0"/>
+                <a:cs typeface="Roboto" panose="02000000000000000000" pitchFamily="2" charset="0"/>
+                <a:sym typeface="Roboto"/>
+              </a:rPr>
+              <a:t>Интегрируйте </a:t>
+            </a:r>
+            <a:r>
+              <a:rPr lang="en-US" sz="1150" dirty="0" err="1">
+                <a:solidFill>
+                  <a:srgbClr val="374151"/>
+                </a:solidFill>
+                <a:latin typeface="+mj-lt"/>
+                <a:ea typeface="Roboto" panose="02000000000000000000" pitchFamily="2" charset="0"/>
+                <a:cs typeface="Roboto" panose="02000000000000000000" pitchFamily="2" charset="0"/>
+                <a:sym typeface="Roboto"/>
+              </a:rPr>
+              <a:t>Nlog</a:t>
+            </a:r>
+            <a:r>
+              <a:rPr lang="ru-RU" sz="1150" dirty="0">
+                <a:solidFill>
+                  <a:srgbClr val="374151"/>
+                </a:solidFill>
+                <a:latin typeface="+mj-lt"/>
+                <a:ea typeface="Roboto" panose="02000000000000000000" pitchFamily="2" charset="0"/>
+                <a:cs typeface="Roboto" panose="02000000000000000000" pitchFamily="2" charset="0"/>
+                <a:sym typeface="Roboto"/>
+              </a:rPr>
+              <a:t> и </a:t>
+            </a:r>
+            <a:r>
+              <a:rPr lang="ru" sz="1150" dirty="0">
+                <a:solidFill>
+                  <a:srgbClr val="0C0D0E"/>
+                </a:solidFill>
+                <a:latin typeface="+mj-lt"/>
+                <a:ea typeface="Roboto" panose="02000000000000000000" pitchFamily="2" charset="0"/>
+                <a:cs typeface="Roboto" panose="02000000000000000000" pitchFamily="2" charset="0"/>
+              </a:rPr>
+              <a:t>Microsoft.Extensions.Logging в своем приложении</a:t>
+            </a:r>
+            <a:r>
+              <a:rPr lang="en-US" sz="1150" dirty="0">
+                <a:solidFill>
+                  <a:srgbClr val="374151"/>
+                </a:solidFill>
+                <a:latin typeface="+mj-lt"/>
+                <a:ea typeface="Roboto" panose="02000000000000000000" pitchFamily="2" charset="0"/>
+                <a:cs typeface="Roboto" panose="02000000000000000000" pitchFamily="2" charset="0"/>
+                <a:sym typeface="Roboto"/>
+              </a:rPr>
+              <a:t>.</a:t>
+            </a:r>
           </a:p>
           <a:p>
             <a:pPr marL="0" lvl="0" indent="0" algn="l" rtl="0">
               <a:spcBef>
-                <a:spcPts val="0"/>
+                <a:spcPts val="3000"/>
               </a:spcBef>
               <a:spcAft>
                 <a:spcPts val="0"/>
               </a:spcAft>
               <a:buNone/>
             </a:pPr>
-            <a:endParaRPr sz="3000" dirty="0"/>
-          </a:p>
-          <a:p>
-            <a:pPr marL="0" lvl="0" indent="0" algn="l" rtl="0">
-              <a:spcBef>
-                <a:spcPts val="0"/>
-              </a:spcBef>
-              <a:spcAft>
-                <a:spcPts val="0"/>
-              </a:spcAft>
-              <a:buNone/>
-            </a:pPr>
-            <a:endParaRPr sz="3000" dirty="0"/>
+            <a:endParaRPr lang="en-US" sz="1700" dirty="0">
+              <a:solidFill>
+                <a:schemeClr val="dk1"/>
+              </a:solidFill>
+              <a:latin typeface="Roboto"/>
+              <a:ea typeface="Roboto"/>
+              <a:cs typeface="Roboto"/>
+              <a:sym typeface="Roboto"/>
+            </a:endParaRPr>
           </a:p>
         </p:txBody>
       </p:sp>
-      <p:pic>
-        <p:nvPicPr>
-          <p:cNvPr id="1026" name="Picture 2" descr="JWT authorization code flow">
-            <a:extLst>
-              <a:ext uri="{FF2B5EF4-FFF2-40B4-BE49-F238E27FC236}">
-                <a16:creationId xmlns:a16="http://schemas.microsoft.com/office/drawing/2014/main" id="{424C23F0-ED7C-4815-9A29-3DADFC8FE75B}"/>
-              </a:ext>
-            </a:extLst>
-          </p:cNvPr>
-          <p:cNvPicPr>
-            <a:picLocks noChangeAspect="1" noChangeArrowheads="1"/>
-          </p:cNvPicPr>
-          <p:nvPr/>
-        </p:nvPicPr>
-        <p:blipFill>
-          <a:blip r:embed="rId3">
-            <a:extLst>
-              <a:ext uri="{28A0092B-C50C-407E-A947-70E740481C1C}">
-                <a14:useLocalDpi xmlns:a14="http://schemas.microsoft.com/office/drawing/2010/main" val="0"/>
-              </a:ext>
-            </a:extLst>
-          </a:blip>
-          <a:srcRect/>
-          <a:stretch>
-            <a:fillRect/>
-          </a:stretch>
-        </p:blipFill>
-        <p:spPr bwMode="auto">
-          <a:xfrm>
-            <a:off x="1318954" y="1793421"/>
-            <a:ext cx="6594764" cy="2740949"/>
-          </a:xfrm>
-          <a:prstGeom prst="rect">
-            <a:avLst/>
-          </a:prstGeom>
-          <a:noFill/>
-          <a:extLst>
-            <a:ext uri="{909E8E84-426E-40DD-AFC4-6F175D3DCCD1}">
-              <a14:hiddenFill xmlns:a14="http://schemas.microsoft.com/office/drawing/2010/main">
-                <a:solidFill>
-                  <a:srgbClr val="FFFFFF"/>
-                </a:solidFill>
-              </a14:hiddenFill>
-            </a:ext>
-          </a:extLst>
-        </p:spPr>
-      </p:pic>
     </p:spTree>
     <p:extLst>
       <p:ext uri="{BB962C8B-B14F-4D97-AF65-F5344CB8AC3E}">
@@ -11001,10 +11776,10 @@
       </p:sp>
       <p:pic>
         <p:nvPicPr>
-          <p:cNvPr id="1026" name="Picture 2" descr="JWT authorization code flow">
+          <p:cNvPr id="1032" name="Picture 8">
             <a:extLst>
               <a:ext uri="{FF2B5EF4-FFF2-40B4-BE49-F238E27FC236}">
-                <a16:creationId xmlns:a16="http://schemas.microsoft.com/office/drawing/2014/main" id="{424C23F0-ED7C-4815-9A29-3DADFC8FE75B}"/>
+                <a16:creationId xmlns:a16="http://schemas.microsoft.com/office/drawing/2014/main" id="{B7349473-791B-C360-454B-9BCC8BD3E115}"/>
               </a:ext>
             </a:extLst>
           </p:cNvPr>
@@ -11027,9 +11802,9 @@
           </a:stretch>
         </p:blipFill>
         <p:spPr bwMode="auto">
-          <a:xfrm>
-            <a:off x="1318954" y="1793421"/>
-            <a:ext cx="6594764" cy="2740949"/>
+          <a:xfrm flipH="1">
+            <a:off x="7994213" y="60561"/>
+            <a:ext cx="1003487" cy="1186848"/>
           </a:xfrm>
           <a:prstGeom prst="rect">
             <a:avLst/>
@@ -11044,6 +11819,155 @@
               </a14:hiddenFill>
             </a:ext>
           </a:extLst>
+        </p:spPr>
+      </p:pic>
+      <p:pic>
+        <p:nvPicPr>
+          <p:cNvPr id="1035" name="Picture 11" descr="GitHub - Burgyn/MMLib.SwaggerForOcelot: This repo contains swagger  extension for ocelot.">
+            <a:extLst>
+              <a:ext uri="{FF2B5EF4-FFF2-40B4-BE49-F238E27FC236}">
+                <a16:creationId xmlns:a16="http://schemas.microsoft.com/office/drawing/2014/main" id="{A45F8A7A-F1CB-7E83-6BEF-74C13015E150}"/>
+              </a:ext>
+            </a:extLst>
+          </p:cNvPr>
+          <p:cNvPicPr>
+            <a:picLocks noChangeAspect="1" noChangeArrowheads="1"/>
+          </p:cNvPicPr>
+          <p:nvPr/>
+        </p:nvPicPr>
+        <p:blipFill>
+          <a:blip r:embed="rId4">
+            <a:extLst>
+              <a:ext uri="{28A0092B-C50C-407E-A947-70E740481C1C}">
+                <a14:useLocalDpi xmlns:a14="http://schemas.microsoft.com/office/drawing/2010/main" val="0"/>
+              </a:ext>
+            </a:extLst>
+          </a:blip>
+          <a:srcRect/>
+          <a:stretch>
+            <a:fillRect/>
+          </a:stretch>
+        </p:blipFill>
+        <p:spPr bwMode="auto">
+          <a:xfrm>
+            <a:off x="5513717" y="-912"/>
+            <a:ext cx="2298197" cy="1095900"/>
+          </a:xfrm>
+          <a:prstGeom prst="rect">
+            <a:avLst/>
+          </a:prstGeom>
+          <a:noFill/>
+          <a:extLst>
+            <a:ext uri="{909E8E84-426E-40DD-AFC4-6F175D3DCCD1}">
+              <a14:hiddenFill xmlns:a14="http://schemas.microsoft.com/office/drawing/2010/main">
+                <a:solidFill>
+                  <a:srgbClr val="FFFFFF"/>
+                </a:solidFill>
+              </a14:hiddenFill>
+            </a:ext>
+          </a:extLst>
+        </p:spPr>
+      </p:pic>
+      <p:pic>
+        <p:nvPicPr>
+          <p:cNvPr id="4" name="Google Shape;139;p30">
+            <a:extLst>
+              <a:ext uri="{FF2B5EF4-FFF2-40B4-BE49-F238E27FC236}">
+                <a16:creationId xmlns:a16="http://schemas.microsoft.com/office/drawing/2014/main" id="{17C3DF81-53F1-AA17-4E26-34D71C87AA35}"/>
+              </a:ext>
+            </a:extLst>
+          </p:cNvPr>
+          <p:cNvPicPr preferRelativeResize="0"/>
+          <p:nvPr/>
+        </p:nvPicPr>
+        <p:blipFill>
+          <a:blip r:embed="rId5">
+            <a:alphaModFix/>
+          </a:blip>
+          <a:stretch>
+            <a:fillRect/>
+          </a:stretch>
+        </p:blipFill>
+        <p:spPr>
+          <a:xfrm>
+            <a:off x="304177" y="1611039"/>
+            <a:ext cx="3782036" cy="3018875"/>
+          </a:xfrm>
+          <a:prstGeom prst="rect">
+            <a:avLst/>
+          </a:prstGeom>
+          <a:noFill/>
+          <a:ln>
+            <a:noFill/>
+          </a:ln>
+        </p:spPr>
+      </p:pic>
+      <p:pic>
+        <p:nvPicPr>
+          <p:cNvPr id="5" name="Google Shape;138;p30">
+            <a:extLst>
+              <a:ext uri="{FF2B5EF4-FFF2-40B4-BE49-F238E27FC236}">
+                <a16:creationId xmlns:a16="http://schemas.microsoft.com/office/drawing/2014/main" id="{F944B66F-702D-E36C-9074-7AF185AACA9C}"/>
+              </a:ext>
+            </a:extLst>
+          </p:cNvPr>
+          <p:cNvPicPr preferRelativeResize="0"/>
+          <p:nvPr/>
+        </p:nvPicPr>
+        <p:blipFill>
+          <a:blip r:embed="rId6">
+            <a:alphaModFix/>
+          </a:blip>
+          <a:stretch>
+            <a:fillRect/>
+          </a:stretch>
+        </p:blipFill>
+        <p:spPr>
+          <a:xfrm>
+            <a:off x="4253358" y="1238307"/>
+            <a:ext cx="4139725" cy="2478571"/>
+          </a:xfrm>
+          <a:prstGeom prst="rect">
+            <a:avLst/>
+          </a:prstGeom>
+          <a:noFill/>
+          <a:ln>
+            <a:noFill/>
+          </a:ln>
+        </p:spPr>
+      </p:pic>
+      <p:pic>
+        <p:nvPicPr>
+          <p:cNvPr id="6" name="Google Shape;140;p30">
+            <a:extLst>
+              <a:ext uri="{FF2B5EF4-FFF2-40B4-BE49-F238E27FC236}">
+                <a16:creationId xmlns:a16="http://schemas.microsoft.com/office/drawing/2014/main" id="{79DBE5BD-2B77-303B-7E41-D015AA8012C1}"/>
+              </a:ext>
+            </a:extLst>
+          </p:cNvPr>
+          <p:cNvPicPr preferRelativeResize="0"/>
+          <p:nvPr/>
+        </p:nvPicPr>
+        <p:blipFill>
+          <a:blip r:embed="rId7">
+            <a:alphaModFix/>
+          </a:blip>
+          <a:stretch>
+            <a:fillRect/>
+          </a:stretch>
+        </p:blipFill>
+        <p:spPr>
+          <a:xfrm>
+            <a:off x="4086213" y="3727558"/>
+            <a:ext cx="4981575" cy="1123950"/>
+          </a:xfrm>
+          <a:prstGeom prst="rect">
+            <a:avLst/>
+          </a:prstGeom>
+          <a:noFill/>
+          <a:ln>
+            <a:noFill/>
+          </a:ln>
         </p:spPr>
       </p:pic>
     </p:spTree>

--- a/Презентация PDD_NET_16_9_Защита_проекта_синяя.pptx
+++ b/Презентация PDD_NET_16_9_Защита_проекта_синяя.pptx
@@ -36,7 +36,7 @@
       <p:regular r:id="rId22"/>
     </p:embeddedFont>
     <p:embeddedFont>
-      <p:font typeface="Roboto" panose="02000000000000000000" pitchFamily="2" charset="0"/>
+      <p:font typeface="Roboto" panose="020B0604020202020204" charset="0"/>
       <p:regular r:id="rId23"/>
       <p:bold r:id="rId24"/>
       <p:italic r:id="rId25"/>
@@ -12012,8 +12012,8 @@
         </p:nvSpPr>
         <p:spPr>
           <a:xfrm>
-            <a:off x="500550" y="330723"/>
-            <a:ext cx="8520600" cy="1095900"/>
+            <a:off x="492930" y="113122"/>
+            <a:ext cx="8520600" cy="644637"/>
           </a:xfrm>
           <a:prstGeom prst="rect">
             <a:avLst/>
@@ -12035,8 +12035,8 @@
               <a:buNone/>
             </a:pPr>
             <a:r>
-              <a:rPr lang="en-US" sz="3000" dirty="0"/>
-              <a:t>React</a:t>
+              <a:rPr lang="ru-RU" sz="3000" dirty="0"/>
+              <a:t>Фронт</a:t>
             </a:r>
             <a:endParaRPr sz="3000" dirty="0"/>
           </a:p>
@@ -12068,10 +12068,10 @@
       </p:sp>
       <p:pic>
         <p:nvPicPr>
-          <p:cNvPr id="1026" name="Picture 2" descr="JWT authorization code flow">
+          <p:cNvPr id="3" name="Picture 2" descr="A BEGINNER'S GUIDE TO REACT JS - 2023 EDITION, Russia">
             <a:extLst>
               <a:ext uri="{FF2B5EF4-FFF2-40B4-BE49-F238E27FC236}">
-                <a16:creationId xmlns:a16="http://schemas.microsoft.com/office/drawing/2014/main" id="{424C23F0-ED7C-4815-9A29-3DADFC8FE75B}"/>
+                <a16:creationId xmlns:a16="http://schemas.microsoft.com/office/drawing/2014/main" id="{F983C42B-07B2-49D8-AD3B-093A02A7202A}"/>
               </a:ext>
             </a:extLst>
           </p:cNvPr>
@@ -12095,8 +12095,8 @@
         </p:blipFill>
         <p:spPr bwMode="auto">
           <a:xfrm>
-            <a:off x="1318954" y="1793421"/>
-            <a:ext cx="6594764" cy="2740949"/>
+            <a:off x="6328016" y="4095971"/>
+            <a:ext cx="981051" cy="644637"/>
           </a:xfrm>
           <a:prstGeom prst="rect">
             <a:avLst/>
@@ -12111,6 +12111,172 @@
               </a14:hiddenFill>
             </a:ext>
           </a:extLst>
+        </p:spPr>
+      </p:pic>
+      <p:pic>
+        <p:nvPicPr>
+          <p:cNvPr id="5" name="Рисунок 4">
+            <a:extLst>
+              <a:ext uri="{FF2B5EF4-FFF2-40B4-BE49-F238E27FC236}">
+                <a16:creationId xmlns:a16="http://schemas.microsoft.com/office/drawing/2014/main" id="{9409DBAF-80EA-4CBF-952B-F62564CB004B}"/>
+              </a:ext>
+            </a:extLst>
+          </p:cNvPr>
+          <p:cNvPicPr>
+            <a:picLocks noChangeAspect="1"/>
+          </p:cNvPicPr>
+          <p:nvPr/>
+        </p:nvPicPr>
+        <p:blipFill rotWithShape="1">
+          <a:blip r:embed="rId4"/>
+          <a:srcRect r="15463"/>
+          <a:stretch/>
+        </p:blipFill>
+        <p:spPr>
+          <a:xfrm>
+            <a:off x="401490" y="1041008"/>
+            <a:ext cx="4452450" cy="1989710"/>
+          </a:xfrm>
+          <a:prstGeom prst="rect">
+            <a:avLst/>
+          </a:prstGeom>
+        </p:spPr>
+      </p:pic>
+      <p:pic>
+        <p:nvPicPr>
+          <p:cNvPr id="1028" name="Picture 4" descr="Why the redux toolkit is better than Context API :">
+            <a:extLst>
+              <a:ext uri="{FF2B5EF4-FFF2-40B4-BE49-F238E27FC236}">
+                <a16:creationId xmlns:a16="http://schemas.microsoft.com/office/drawing/2014/main" id="{B1FD5B14-2A1E-4297-902A-230BE12EADEA}"/>
+              </a:ext>
+            </a:extLst>
+          </p:cNvPr>
+          <p:cNvPicPr>
+            <a:picLocks noChangeAspect="1" noChangeArrowheads="1"/>
+          </p:cNvPicPr>
+          <p:nvPr/>
+        </p:nvPicPr>
+        <p:blipFill>
+          <a:blip r:embed="rId5">
+            <a:extLst>
+              <a:ext uri="{28A0092B-C50C-407E-A947-70E740481C1C}">
+                <a14:useLocalDpi xmlns:a14="http://schemas.microsoft.com/office/drawing/2010/main" val="0"/>
+              </a:ext>
+            </a:extLst>
+          </a:blip>
+          <a:srcRect/>
+          <a:stretch>
+            <a:fillRect/>
+          </a:stretch>
+        </p:blipFill>
+        <p:spPr bwMode="auto">
+          <a:xfrm>
+            <a:off x="7166216" y="4001648"/>
+            <a:ext cx="1767840" cy="883920"/>
+          </a:xfrm>
+          <a:prstGeom prst="rect">
+            <a:avLst/>
+          </a:prstGeom>
+          <a:noFill/>
+          <a:extLst>
+            <a:ext uri="{909E8E84-426E-40DD-AFC4-6F175D3DCCD1}">
+              <a14:hiddenFill xmlns:a14="http://schemas.microsoft.com/office/drawing/2010/main">
+                <a:solidFill>
+                  <a:srgbClr val="FFFFFF"/>
+                </a:solidFill>
+              </a14:hiddenFill>
+            </a:ext>
+          </a:extLst>
+        </p:spPr>
+      </p:pic>
+      <p:pic>
+        <p:nvPicPr>
+          <p:cNvPr id="9" name="Рисунок 8">
+            <a:extLst>
+              <a:ext uri="{FF2B5EF4-FFF2-40B4-BE49-F238E27FC236}">
+                <a16:creationId xmlns:a16="http://schemas.microsoft.com/office/drawing/2014/main" id="{81986350-0899-4DF1-963D-39880ABA14F6}"/>
+              </a:ext>
+            </a:extLst>
+          </p:cNvPr>
+          <p:cNvPicPr>
+            <a:picLocks noChangeAspect="1"/>
+          </p:cNvPicPr>
+          <p:nvPr/>
+        </p:nvPicPr>
+        <p:blipFill>
+          <a:blip r:embed="rId6"/>
+          <a:stretch>
+            <a:fillRect/>
+          </a:stretch>
+        </p:blipFill>
+        <p:spPr>
+          <a:xfrm>
+            <a:off x="401490" y="4001648"/>
+            <a:ext cx="4452450" cy="549511"/>
+          </a:xfrm>
+          <a:prstGeom prst="rect">
+            <a:avLst/>
+          </a:prstGeom>
+        </p:spPr>
+      </p:pic>
+      <p:pic>
+        <p:nvPicPr>
+          <p:cNvPr id="10" name="Рисунок 9">
+            <a:extLst>
+              <a:ext uri="{FF2B5EF4-FFF2-40B4-BE49-F238E27FC236}">
+                <a16:creationId xmlns:a16="http://schemas.microsoft.com/office/drawing/2014/main" id="{2CBDD344-6AA4-45DE-B66E-511D4D1FE8F7}"/>
+              </a:ext>
+            </a:extLst>
+          </p:cNvPr>
+          <p:cNvPicPr>
+            <a:picLocks noChangeAspect="1"/>
+          </p:cNvPicPr>
+          <p:nvPr/>
+        </p:nvPicPr>
+        <p:blipFill>
+          <a:blip r:embed="rId7"/>
+          <a:stretch>
+            <a:fillRect/>
+          </a:stretch>
+        </p:blipFill>
+        <p:spPr>
+          <a:xfrm>
+            <a:off x="5398243" y="1041008"/>
+            <a:ext cx="3405974" cy="2175855"/>
+          </a:xfrm>
+          <a:prstGeom prst="rect">
+            <a:avLst/>
+          </a:prstGeom>
+        </p:spPr>
+      </p:pic>
+      <p:pic>
+        <p:nvPicPr>
+          <p:cNvPr id="11" name="Рисунок 10">
+            <a:extLst>
+              <a:ext uri="{FF2B5EF4-FFF2-40B4-BE49-F238E27FC236}">
+                <a16:creationId xmlns:a16="http://schemas.microsoft.com/office/drawing/2014/main" id="{2D5AC075-DB4C-4B0F-B55B-11BC43C49067}"/>
+              </a:ext>
+            </a:extLst>
+          </p:cNvPr>
+          <p:cNvPicPr>
+            <a:picLocks noChangeAspect="1"/>
+          </p:cNvPicPr>
+          <p:nvPr/>
+        </p:nvPicPr>
+        <p:blipFill>
+          <a:blip r:embed="rId8"/>
+          <a:stretch>
+            <a:fillRect/>
+          </a:stretch>
+        </p:blipFill>
+        <p:spPr>
+          <a:xfrm>
+            <a:off x="401490" y="3150854"/>
+            <a:ext cx="4452450" cy="730658"/>
+          </a:xfrm>
+          <a:prstGeom prst="rect">
+            <a:avLst/>
+          </a:prstGeom>
         </p:spPr>
       </p:pic>
     </p:spTree>

--- a/Презентация PDD_NET_16_9_Защита_проекта_синяя.pptx
+++ b/Презентация PDD_NET_16_9_Защита_проекта_синяя.pptx
@@ -15456,7 +15456,31 @@
                   <a:srgbClr val="02418B"/>
                 </a:solidFill>
               </a:rPr>
-              <a:t>Худяшев Александр</a:t>
+              <a:t>Худяш</a:t>
+            </a:r>
+            <a:r>
+              <a:rPr lang="ru-RU">
+                <a:solidFill>
+                  <a:srgbClr val="02418B"/>
+                </a:solidFill>
+              </a:rPr>
+              <a:t>о</a:t>
+            </a:r>
+            <a:r>
+              <a:rPr lang="ru">
+                <a:solidFill>
+                  <a:srgbClr val="02418B"/>
+                </a:solidFill>
+              </a:rPr>
+              <a:t>в </a:t>
+            </a:r>
+            <a:r>
+              <a:rPr lang="ru" dirty="0">
+                <a:solidFill>
+                  <a:srgbClr val="02418B"/>
+                </a:solidFill>
+              </a:rPr>
+              <a:t>Александр</a:t>
             </a:r>
           </a:p>
           <a:p>

--- a/Презентация PDD_NET_16_9_Защита_проекта_синяя.pptx
+++ b/Презентация PDD_NET_16_9_Защита_проекта_синяя.pptx
@@ -5,7 +5,7 @@
     <p:sldMasterId id="2147483662" r:id="rId1"/>
   </p:sldMasterIdLst>
   <p:notesMasterIdLst>
-    <p:notesMasterId r:id="rId21"/>
+    <p:notesMasterId r:id="rId20"/>
   </p:notesMasterIdLst>
   <p:sldIdLst>
     <p:sldId id="256" r:id="rId2"/>
@@ -18,29 +18,28 @@
     <p:sldId id="264" r:id="rId9"/>
     <p:sldId id="276" r:id="rId10"/>
     <p:sldId id="274" r:id="rId11"/>
-    <p:sldId id="263" r:id="rId12"/>
-    <p:sldId id="275" r:id="rId13"/>
-    <p:sldId id="281" r:id="rId14"/>
-    <p:sldId id="282" r:id="rId15"/>
-    <p:sldId id="283" r:id="rId16"/>
-    <p:sldId id="266" r:id="rId17"/>
-    <p:sldId id="265" r:id="rId18"/>
-    <p:sldId id="285" r:id="rId19"/>
-    <p:sldId id="284" r:id="rId20"/>
+    <p:sldId id="275" r:id="rId12"/>
+    <p:sldId id="281" r:id="rId13"/>
+    <p:sldId id="282" r:id="rId14"/>
+    <p:sldId id="283" r:id="rId15"/>
+    <p:sldId id="266" r:id="rId16"/>
+    <p:sldId id="265" r:id="rId17"/>
+    <p:sldId id="285" r:id="rId18"/>
+    <p:sldId id="284" r:id="rId19"/>
   </p:sldIdLst>
   <p:sldSz cx="9144000" cy="5143500" type="screen16x9"/>
   <p:notesSz cx="6858000" cy="9144000"/>
   <p:embeddedFontLst>
     <p:embeddedFont>
       <p:font typeface="Papyrus" panose="03070502060502030205" pitchFamily="66" charset="0"/>
-      <p:regular r:id="rId22"/>
+      <p:regular r:id="rId21"/>
     </p:embeddedFont>
     <p:embeddedFont>
       <p:font typeface="Roboto" panose="020B0604020202020204" charset="0"/>
-      <p:regular r:id="rId23"/>
-      <p:bold r:id="rId24"/>
-      <p:italic r:id="rId25"/>
-      <p:boldItalic r:id="rId26"/>
+      <p:regular r:id="rId22"/>
+      <p:bold r:id="rId23"/>
+      <p:italic r:id="rId24"/>
+      <p:boldItalic r:id="rId25"/>
     </p:embeddedFont>
   </p:embeddedFontLst>
   <p:defaultTextStyle>
@@ -971,7 +970,7 @@
   <p:cSld>
     <p:spTree>
       <p:nvGrpSpPr>
-        <p:cNvPr id="1" name="Shape 124"/>
+        <p:cNvPr id="1" name="Shape 131"/>
         <p:cNvGrpSpPr/>
         <p:nvPr/>
       </p:nvGrpSpPr>
@@ -985,7 +984,7 @@
       </p:grpSpPr>
       <p:sp>
         <p:nvSpPr>
-          <p:cNvPr id="125" name="Google Shape;125;gdf29b9fb24_0_69:notes"/>
+          <p:cNvPr id="132" name="Google Shape;132;gf98075b259_0_45:notes"/>
           <p:cNvSpPr>
             <a:spLocks noGrp="1" noRot="1" noChangeAspect="1"/>
           </p:cNvSpPr>
@@ -1026,7 +1025,7 @@
       </p:sp>
       <p:sp>
         <p:nvSpPr>
-          <p:cNvPr id="126" name="Google Shape;126;gdf29b9fb24_0_69:notes"/>
+          <p:cNvPr id="133" name="Google Shape;133;gf98075b259_0_45:notes"/>
           <p:cNvSpPr txBox="1">
             <a:spLocks noGrp="1"/>
           </p:cNvSpPr>
@@ -1058,11 +1057,16 @@
               </a:spcAft>
               <a:buNone/>
             </a:pPr>
-            <a:endParaRPr/>
+            <a:endParaRPr dirty="0"/>
           </a:p>
         </p:txBody>
       </p:sp>
     </p:spTree>
+    <p:extLst>
+      <p:ext uri="{BB962C8B-B14F-4D97-AF65-F5344CB8AC3E}">
+        <p14:creationId xmlns:p14="http://schemas.microsoft.com/office/powerpoint/2010/main" val="4137601517"/>
+      </p:ext>
+    </p:extLst>
   </p:cSld>
   <p:clrMapOvr>
     <a:masterClrMapping/>
@@ -1169,7 +1173,7 @@
     </p:spTree>
     <p:extLst>
       <p:ext uri="{BB962C8B-B14F-4D97-AF65-F5344CB8AC3E}">
-        <p14:creationId xmlns:p14="http://schemas.microsoft.com/office/powerpoint/2010/main" val="4137601517"/>
+        <p14:creationId xmlns:p14="http://schemas.microsoft.com/office/powerpoint/2010/main" val="3375886332"/>
       </p:ext>
     </p:extLst>
   </p:cSld>
@@ -1278,7 +1282,7 @@
     </p:spTree>
     <p:extLst>
       <p:ext uri="{BB962C8B-B14F-4D97-AF65-F5344CB8AC3E}">
-        <p14:creationId xmlns:p14="http://schemas.microsoft.com/office/powerpoint/2010/main" val="3375886332"/>
+        <p14:creationId xmlns:p14="http://schemas.microsoft.com/office/powerpoint/2010/main" val="1302733697"/>
       </p:ext>
     </p:extLst>
   </p:cSld>
@@ -1387,7 +1391,7 @@
     </p:spTree>
     <p:extLst>
       <p:ext uri="{BB962C8B-B14F-4D97-AF65-F5344CB8AC3E}">
-        <p14:creationId xmlns:p14="http://schemas.microsoft.com/office/powerpoint/2010/main" val="1302733697"/>
+        <p14:creationId xmlns:p14="http://schemas.microsoft.com/office/powerpoint/2010/main" val="1469840791"/>
       </p:ext>
     </p:extLst>
   </p:cSld>
@@ -1398,115 +1402,6 @@
 </file>
 
 <file path=ppt/notesSlides/notesSlide15.xml><?xml version="1.0" encoding="utf-8"?>
-<p:notes xmlns:a="http://schemas.openxmlformats.org/drawingml/2006/main" xmlns:r="http://schemas.openxmlformats.org/officeDocument/2006/relationships" xmlns:p="http://schemas.openxmlformats.org/presentationml/2006/main" showMasterSp="0" showMasterPhAnim="0">
-  <p:cSld>
-    <p:spTree>
-      <p:nvGrpSpPr>
-        <p:cNvPr id="1" name="Shape 131"/>
-        <p:cNvGrpSpPr/>
-        <p:nvPr/>
-      </p:nvGrpSpPr>
-      <p:grpSpPr>
-        <a:xfrm>
-          <a:off x="0" y="0"/>
-          <a:ext cx="0" cy="0"/>
-          <a:chOff x="0" y="0"/>
-          <a:chExt cx="0" cy="0"/>
-        </a:xfrm>
-      </p:grpSpPr>
-      <p:sp>
-        <p:nvSpPr>
-          <p:cNvPr id="132" name="Google Shape;132;gf98075b259_0_45:notes"/>
-          <p:cNvSpPr>
-            <a:spLocks noGrp="1" noRot="1" noChangeAspect="1"/>
-          </p:cNvSpPr>
-          <p:nvPr>
-            <p:ph type="sldImg" idx="2"/>
-          </p:nvPr>
-        </p:nvSpPr>
-        <p:spPr>
-          <a:xfrm>
-            <a:off x="381000" y="685800"/>
-            <a:ext cx="6096000" cy="3429000"/>
-          </a:xfrm>
-          <a:custGeom>
-            <a:avLst/>
-            <a:gdLst/>
-            <a:ahLst/>
-            <a:cxnLst/>
-            <a:rect l="l" t="t" r="r" b="b"/>
-            <a:pathLst>
-              <a:path w="120000" h="120000" extrusionOk="0">
-                <a:moveTo>
-                  <a:pt x="0" y="0"/>
-                </a:moveTo>
-                <a:lnTo>
-                  <a:pt x="120000" y="0"/>
-                </a:lnTo>
-                <a:lnTo>
-                  <a:pt x="120000" y="120000"/>
-                </a:lnTo>
-                <a:lnTo>
-                  <a:pt x="0" y="120000"/>
-                </a:lnTo>
-                <a:close/>
-              </a:path>
-            </a:pathLst>
-          </a:custGeom>
-        </p:spPr>
-      </p:sp>
-      <p:sp>
-        <p:nvSpPr>
-          <p:cNvPr id="133" name="Google Shape;133;gf98075b259_0_45:notes"/>
-          <p:cNvSpPr txBox="1">
-            <a:spLocks noGrp="1"/>
-          </p:cNvSpPr>
-          <p:nvPr>
-            <p:ph type="body" idx="1"/>
-          </p:nvPr>
-        </p:nvSpPr>
-        <p:spPr>
-          <a:xfrm>
-            <a:off x="685800" y="4343400"/>
-            <a:ext cx="5486400" cy="4114800"/>
-          </a:xfrm>
-          <a:prstGeom prst="rect">
-            <a:avLst/>
-          </a:prstGeom>
-        </p:spPr>
-        <p:txBody>
-          <a:bodyPr spcFirstLastPara="1" wrap="square" lIns="91425" tIns="91425" rIns="91425" bIns="91425" anchor="t" anchorCtr="0">
-            <a:noAutofit/>
-          </a:bodyPr>
-          <a:lstStyle/>
-          <a:p>
-            <a:pPr marL="0" lvl="0" indent="0" algn="l" rtl="0">
-              <a:spcBef>
-                <a:spcPts val="0"/>
-              </a:spcBef>
-              <a:spcAft>
-                <a:spcPts val="0"/>
-              </a:spcAft>
-              <a:buNone/>
-            </a:pPr>
-            <a:endParaRPr dirty="0"/>
-          </a:p>
-        </p:txBody>
-      </p:sp>
-    </p:spTree>
-    <p:extLst>
-      <p:ext uri="{BB962C8B-B14F-4D97-AF65-F5344CB8AC3E}">
-        <p14:creationId xmlns:p14="http://schemas.microsoft.com/office/powerpoint/2010/main" val="1469840791"/>
-      </p:ext>
-    </p:extLst>
-  </p:cSld>
-  <p:clrMapOvr>
-    <a:masterClrMapping/>
-  </p:clrMapOvr>
-</p:notes>
-</file>
-
-<file path=ppt/notesSlides/notesSlide16.xml><?xml version="1.0" encoding="utf-8"?>
 <p:notes xmlns:a="http://schemas.openxmlformats.org/drawingml/2006/main" xmlns:r="http://schemas.openxmlformats.org/officeDocument/2006/relationships" xmlns:p="http://schemas.openxmlformats.org/presentationml/2006/main" showMasterSp="0" showMasterPhAnim="0">
   <p:cSld>
     <p:spTree>
@@ -1599,6 +1494,110 @@
               <a:buNone/>
             </a:pPr>
             <a:endParaRPr dirty="0"/>
+          </a:p>
+        </p:txBody>
+      </p:sp>
+    </p:spTree>
+  </p:cSld>
+  <p:clrMapOvr>
+    <a:masterClrMapping/>
+  </p:clrMapOvr>
+</p:notes>
+</file>
+
+<file path=ppt/notesSlides/notesSlide16.xml><?xml version="1.0" encoding="utf-8"?>
+<p:notes xmlns:a="http://schemas.openxmlformats.org/drawingml/2006/main" xmlns:r="http://schemas.openxmlformats.org/officeDocument/2006/relationships" xmlns:p="http://schemas.openxmlformats.org/presentationml/2006/main" showMasterSp="0" showMasterPhAnim="0">
+  <p:cSld>
+    <p:spTree>
+      <p:nvGrpSpPr>
+        <p:cNvPr id="1" name="Shape 137"/>
+        <p:cNvGrpSpPr/>
+        <p:nvPr/>
+      </p:nvGrpSpPr>
+      <p:grpSpPr>
+        <a:xfrm>
+          <a:off x="0" y="0"/>
+          <a:ext cx="0" cy="0"/>
+          <a:chOff x="0" y="0"/>
+          <a:chExt cx="0" cy="0"/>
+        </a:xfrm>
+      </p:grpSpPr>
+      <p:sp>
+        <p:nvSpPr>
+          <p:cNvPr id="138" name="Google Shape;138;gf98075b259_0_51:notes"/>
+          <p:cNvSpPr>
+            <a:spLocks noGrp="1" noRot="1" noChangeAspect="1"/>
+          </p:cNvSpPr>
+          <p:nvPr>
+            <p:ph type="sldImg" idx="2"/>
+          </p:nvPr>
+        </p:nvSpPr>
+        <p:spPr>
+          <a:xfrm>
+            <a:off x="381000" y="685800"/>
+            <a:ext cx="6096000" cy="3429000"/>
+          </a:xfrm>
+          <a:custGeom>
+            <a:avLst/>
+            <a:gdLst/>
+            <a:ahLst/>
+            <a:cxnLst/>
+            <a:rect l="l" t="t" r="r" b="b"/>
+            <a:pathLst>
+              <a:path w="120000" h="120000" extrusionOk="0">
+                <a:moveTo>
+                  <a:pt x="0" y="0"/>
+                </a:moveTo>
+                <a:lnTo>
+                  <a:pt x="120000" y="0"/>
+                </a:lnTo>
+                <a:lnTo>
+                  <a:pt x="120000" y="120000"/>
+                </a:lnTo>
+                <a:lnTo>
+                  <a:pt x="0" y="120000"/>
+                </a:lnTo>
+                <a:close/>
+              </a:path>
+            </a:pathLst>
+          </a:custGeom>
+        </p:spPr>
+      </p:sp>
+      <p:sp>
+        <p:nvSpPr>
+          <p:cNvPr id="139" name="Google Shape;139;gf98075b259_0_51:notes"/>
+          <p:cNvSpPr txBox="1">
+            <a:spLocks noGrp="1"/>
+          </p:cNvSpPr>
+          <p:nvPr>
+            <p:ph type="body" idx="1"/>
+          </p:nvPr>
+        </p:nvSpPr>
+        <p:spPr>
+          <a:xfrm>
+            <a:off x="685800" y="4343400"/>
+            <a:ext cx="5486400" cy="4114800"/>
+          </a:xfrm>
+          <a:prstGeom prst="rect">
+            <a:avLst/>
+          </a:prstGeom>
+        </p:spPr>
+        <p:txBody>
+          <a:bodyPr spcFirstLastPara="1" wrap="square" lIns="91425" tIns="91425" rIns="91425" bIns="91425" anchor="t" anchorCtr="0">
+            <a:noAutofit/>
+          </a:bodyPr>
+          <a:lstStyle/>
+          <a:p>
+            <a:pPr marL="0" lvl="0" indent="0" algn="l" rtl="0">
+              <a:spcBef>
+                <a:spcPts val="0"/>
+              </a:spcBef>
+              <a:spcAft>
+                <a:spcPts val="0"/>
+              </a:spcAft>
+              <a:buNone/>
+            </a:pPr>
+            <a:endParaRPr/>
           </a:p>
         </p:txBody>
       </p:sp>
@@ -1707,110 +1706,6 @@
         </p:txBody>
       </p:sp>
     </p:spTree>
-  </p:cSld>
-  <p:clrMapOvr>
-    <a:masterClrMapping/>
-  </p:clrMapOvr>
-</p:notes>
-</file>
-
-<file path=ppt/notesSlides/notesSlide18.xml><?xml version="1.0" encoding="utf-8"?>
-<p:notes xmlns:a="http://schemas.openxmlformats.org/drawingml/2006/main" xmlns:r="http://schemas.openxmlformats.org/officeDocument/2006/relationships" xmlns:p="http://schemas.openxmlformats.org/presentationml/2006/main" showMasterSp="0" showMasterPhAnim="0">
-  <p:cSld>
-    <p:spTree>
-      <p:nvGrpSpPr>
-        <p:cNvPr id="1" name="Shape 137"/>
-        <p:cNvGrpSpPr/>
-        <p:nvPr/>
-      </p:nvGrpSpPr>
-      <p:grpSpPr>
-        <a:xfrm>
-          <a:off x="0" y="0"/>
-          <a:ext cx="0" cy="0"/>
-          <a:chOff x="0" y="0"/>
-          <a:chExt cx="0" cy="0"/>
-        </a:xfrm>
-      </p:grpSpPr>
-      <p:sp>
-        <p:nvSpPr>
-          <p:cNvPr id="138" name="Google Shape;138;gf98075b259_0_51:notes"/>
-          <p:cNvSpPr>
-            <a:spLocks noGrp="1" noRot="1" noChangeAspect="1"/>
-          </p:cNvSpPr>
-          <p:nvPr>
-            <p:ph type="sldImg" idx="2"/>
-          </p:nvPr>
-        </p:nvSpPr>
-        <p:spPr>
-          <a:xfrm>
-            <a:off x="381000" y="685800"/>
-            <a:ext cx="6096000" cy="3429000"/>
-          </a:xfrm>
-          <a:custGeom>
-            <a:avLst/>
-            <a:gdLst/>
-            <a:ahLst/>
-            <a:cxnLst/>
-            <a:rect l="l" t="t" r="r" b="b"/>
-            <a:pathLst>
-              <a:path w="120000" h="120000" extrusionOk="0">
-                <a:moveTo>
-                  <a:pt x="0" y="0"/>
-                </a:moveTo>
-                <a:lnTo>
-                  <a:pt x="120000" y="0"/>
-                </a:lnTo>
-                <a:lnTo>
-                  <a:pt x="120000" y="120000"/>
-                </a:lnTo>
-                <a:lnTo>
-                  <a:pt x="0" y="120000"/>
-                </a:lnTo>
-                <a:close/>
-              </a:path>
-            </a:pathLst>
-          </a:custGeom>
-        </p:spPr>
-      </p:sp>
-      <p:sp>
-        <p:nvSpPr>
-          <p:cNvPr id="139" name="Google Shape;139;gf98075b259_0_51:notes"/>
-          <p:cNvSpPr txBox="1">
-            <a:spLocks noGrp="1"/>
-          </p:cNvSpPr>
-          <p:nvPr>
-            <p:ph type="body" idx="1"/>
-          </p:nvPr>
-        </p:nvSpPr>
-        <p:spPr>
-          <a:xfrm>
-            <a:off x="685800" y="4343400"/>
-            <a:ext cx="5486400" cy="4114800"/>
-          </a:xfrm>
-          <a:prstGeom prst="rect">
-            <a:avLst/>
-          </a:prstGeom>
-        </p:spPr>
-        <p:txBody>
-          <a:bodyPr spcFirstLastPara="1" wrap="square" lIns="91425" tIns="91425" rIns="91425" bIns="91425" anchor="t" anchorCtr="0">
-            <a:noAutofit/>
-          </a:bodyPr>
-          <a:lstStyle/>
-          <a:p>
-            <a:pPr marL="0" lvl="0" indent="0" algn="l" rtl="0">
-              <a:spcBef>
-                <a:spcPts val="0"/>
-              </a:spcBef>
-              <a:spcAft>
-                <a:spcPts val="0"/>
-              </a:spcAft>
-              <a:buNone/>
-            </a:pPr>
-            <a:endParaRPr/>
-          </a:p>
-        </p:txBody>
-      </p:sp>
-    </p:spTree>
     <p:extLst>
       <p:ext uri="{BB962C8B-B14F-4D97-AF65-F5344CB8AC3E}">
         <p14:creationId xmlns:p14="http://schemas.microsoft.com/office/powerpoint/2010/main" val="2613548372"/>
@@ -1823,7 +1718,7 @@
 </p:notes>
 </file>
 
-<file path=ppt/notesSlides/notesSlide19.xml><?xml version="1.0" encoding="utf-8"?>
+<file path=ppt/notesSlides/notesSlide18.xml><?xml version="1.0" encoding="utf-8"?>
 <p:notes xmlns:a="http://schemas.openxmlformats.org/drawingml/2006/main" xmlns:r="http://schemas.openxmlformats.org/officeDocument/2006/relationships" xmlns:p="http://schemas.openxmlformats.org/presentationml/2006/main" showMasterSp="0" showMasterPhAnim="0">
   <p:cSld>
     <p:spTree>
@@ -2128,7 +2023,7 @@
               </a:spcAft>
               <a:buNone/>
             </a:pPr>
-            <a:endParaRPr/>
+            <a:endParaRPr dirty="0"/>
           </a:p>
         </p:txBody>
       </p:sp>
@@ -3190,362 +3085,6 @@
 </file>
 
 <file path=ppt/slideLayouts/slideLayout10.xml><?xml version="1.0" encoding="utf-8"?>
-<p:sldLayout xmlns:a="http://schemas.openxmlformats.org/drawingml/2006/main" xmlns:r="http://schemas.openxmlformats.org/officeDocument/2006/relationships" xmlns:p="http://schemas.openxmlformats.org/presentationml/2006/main" matchingName="Слайд с кодом 1">
-  <p:cSld name="CUSTOM_2">
-    <p:spTree>
-      <p:nvGrpSpPr>
-        <p:cNvPr id="1" name="Shape 47"/>
-        <p:cNvGrpSpPr/>
-        <p:nvPr/>
-      </p:nvGrpSpPr>
-      <p:grpSpPr>
-        <a:xfrm>
-          <a:off x="0" y="0"/>
-          <a:ext cx="0" cy="0"/>
-          <a:chOff x="0" y="0"/>
-          <a:chExt cx="0" cy="0"/>
-        </a:xfrm>
-      </p:grpSpPr>
-      <p:sp>
-        <p:nvSpPr>
-          <p:cNvPr id="48" name="Google Shape;48;p12"/>
-          <p:cNvSpPr txBox="1">
-            <a:spLocks noGrp="1"/>
-          </p:cNvSpPr>
-          <p:nvPr>
-            <p:ph type="title"/>
-          </p:nvPr>
-        </p:nvSpPr>
-        <p:spPr>
-          <a:xfrm>
-            <a:off x="500550" y="330724"/>
-            <a:ext cx="8520600" cy="1095900"/>
-          </a:xfrm>
-          <a:prstGeom prst="rect">
-            <a:avLst/>
-          </a:prstGeom>
-        </p:spPr>
-        <p:txBody>
-          <a:bodyPr spcFirstLastPara="1" wrap="square" lIns="91425" tIns="91425" rIns="91425" bIns="91425" anchor="t" anchorCtr="0">
-            <a:noAutofit/>
-          </a:bodyPr>
-          <a:lstStyle>
-            <a:lvl1pPr lvl="0">
-              <a:spcBef>
-                <a:spcPts val="0"/>
-              </a:spcBef>
-              <a:spcAft>
-                <a:spcPts val="0"/>
-              </a:spcAft>
-              <a:buSzPts val="3100"/>
-              <a:buNone/>
-              <a:defRPr/>
-            </a:lvl1pPr>
-            <a:lvl2pPr lvl="1">
-              <a:spcBef>
-                <a:spcPts val="0"/>
-              </a:spcBef>
-              <a:spcAft>
-                <a:spcPts val="0"/>
-              </a:spcAft>
-              <a:buSzPts val="2800"/>
-              <a:buNone/>
-              <a:defRPr/>
-            </a:lvl2pPr>
-            <a:lvl3pPr lvl="2">
-              <a:spcBef>
-                <a:spcPts val="0"/>
-              </a:spcBef>
-              <a:spcAft>
-                <a:spcPts val="0"/>
-              </a:spcAft>
-              <a:buSzPts val="2800"/>
-              <a:buNone/>
-              <a:defRPr/>
-            </a:lvl3pPr>
-            <a:lvl4pPr lvl="3">
-              <a:spcBef>
-                <a:spcPts val="0"/>
-              </a:spcBef>
-              <a:spcAft>
-                <a:spcPts val="0"/>
-              </a:spcAft>
-              <a:buSzPts val="2800"/>
-              <a:buNone/>
-              <a:defRPr/>
-            </a:lvl4pPr>
-            <a:lvl5pPr lvl="4">
-              <a:spcBef>
-                <a:spcPts val="0"/>
-              </a:spcBef>
-              <a:spcAft>
-                <a:spcPts val="0"/>
-              </a:spcAft>
-              <a:buSzPts val="2800"/>
-              <a:buNone/>
-              <a:defRPr/>
-            </a:lvl5pPr>
-            <a:lvl6pPr lvl="5">
-              <a:spcBef>
-                <a:spcPts val="0"/>
-              </a:spcBef>
-              <a:spcAft>
-                <a:spcPts val="0"/>
-              </a:spcAft>
-              <a:buSzPts val="2800"/>
-              <a:buNone/>
-              <a:defRPr/>
-            </a:lvl6pPr>
-            <a:lvl7pPr lvl="6">
-              <a:spcBef>
-                <a:spcPts val="0"/>
-              </a:spcBef>
-              <a:spcAft>
-                <a:spcPts val="0"/>
-              </a:spcAft>
-              <a:buSzPts val="2800"/>
-              <a:buNone/>
-              <a:defRPr/>
-            </a:lvl7pPr>
-            <a:lvl8pPr lvl="7">
-              <a:spcBef>
-                <a:spcPts val="0"/>
-              </a:spcBef>
-              <a:spcAft>
-                <a:spcPts val="0"/>
-              </a:spcAft>
-              <a:buSzPts val="2800"/>
-              <a:buNone/>
-              <a:defRPr/>
-            </a:lvl8pPr>
-            <a:lvl9pPr lvl="8">
-              <a:spcBef>
-                <a:spcPts val="0"/>
-              </a:spcBef>
-              <a:spcAft>
-                <a:spcPts val="0"/>
-              </a:spcAft>
-              <a:buSzPts val="2800"/>
-              <a:buNone/>
-              <a:defRPr/>
-            </a:lvl9pPr>
-          </a:lstStyle>
-          <a:p>
-            <a:endParaRPr/>
-          </a:p>
-        </p:txBody>
-      </p:sp>
-      <p:sp>
-        <p:nvSpPr>
-          <p:cNvPr id="49" name="Google Shape;49;p12"/>
-          <p:cNvSpPr/>
-          <p:nvPr/>
-        </p:nvSpPr>
-        <p:spPr>
-          <a:xfrm>
-            <a:off x="590475" y="1364975"/>
-            <a:ext cx="7988400" cy="3412500"/>
-          </a:xfrm>
-          <a:prstGeom prst="rect">
-            <a:avLst/>
-          </a:prstGeom>
-          <a:solidFill>
-            <a:srgbClr val="FBFBFE"/>
-          </a:solidFill>
-          <a:ln>
-            <a:noFill/>
-          </a:ln>
-        </p:spPr>
-        <p:txBody>
-          <a:bodyPr spcFirstLastPara="1" wrap="square" lIns="91425" tIns="91425" rIns="91425" bIns="91425" anchor="ctr" anchorCtr="0">
-            <a:noAutofit/>
-          </a:bodyPr>
-          <a:lstStyle/>
-          <a:p>
-            <a:pPr marL="0" lvl="0" indent="0" algn="l" rtl="0">
-              <a:spcBef>
-                <a:spcPts val="0"/>
-              </a:spcBef>
-              <a:spcAft>
-                <a:spcPts val="0"/>
-              </a:spcAft>
-              <a:buNone/>
-            </a:pPr>
-            <a:endParaRPr/>
-          </a:p>
-        </p:txBody>
-      </p:sp>
-      <p:sp>
-        <p:nvSpPr>
-          <p:cNvPr id="50" name="Google Shape;50;p12"/>
-          <p:cNvSpPr txBox="1">
-            <a:spLocks noGrp="1"/>
-          </p:cNvSpPr>
-          <p:nvPr>
-            <p:ph type="subTitle" idx="1"/>
-          </p:nvPr>
-        </p:nvSpPr>
-        <p:spPr>
-          <a:xfrm>
-            <a:off x="754725" y="1516446"/>
-            <a:ext cx="8226300" cy="3455100"/>
-          </a:xfrm>
-          <a:prstGeom prst="rect">
-            <a:avLst/>
-          </a:prstGeom>
-        </p:spPr>
-        <p:txBody>
-          <a:bodyPr spcFirstLastPara="1" wrap="square" lIns="91425" tIns="91425" rIns="91425" bIns="91425" anchor="t" anchorCtr="0">
-            <a:normAutofit/>
-          </a:bodyPr>
-          <a:lstStyle>
-            <a:lvl1pPr lvl="0" rtl="0">
-              <a:lnSpc>
-                <a:spcPct val="115000"/>
-              </a:lnSpc>
-              <a:spcBef>
-                <a:spcPts val="0"/>
-              </a:spcBef>
-              <a:spcAft>
-                <a:spcPts val="0"/>
-              </a:spcAft>
-              <a:buSzPts val="1100"/>
-              <a:buFont typeface="Courier New"/>
-              <a:buNone/>
-              <a:defRPr sz="1100">
-                <a:latin typeface="Courier New"/>
-                <a:ea typeface="Courier New"/>
-                <a:cs typeface="Courier New"/>
-                <a:sym typeface="Courier New"/>
-              </a:defRPr>
-            </a:lvl1pPr>
-            <a:lvl2pPr lvl="1" rtl="0">
-              <a:lnSpc>
-                <a:spcPct val="115000"/>
-              </a:lnSpc>
-              <a:spcBef>
-                <a:spcPts val="0"/>
-              </a:spcBef>
-              <a:spcAft>
-                <a:spcPts val="0"/>
-              </a:spcAft>
-              <a:buSzPts val="1700"/>
-              <a:buNone/>
-              <a:defRPr sz="1700"/>
-            </a:lvl2pPr>
-            <a:lvl3pPr lvl="2" rtl="0">
-              <a:lnSpc>
-                <a:spcPct val="115000"/>
-              </a:lnSpc>
-              <a:spcBef>
-                <a:spcPts val="0"/>
-              </a:spcBef>
-              <a:spcAft>
-                <a:spcPts val="0"/>
-              </a:spcAft>
-              <a:buSzPts val="1700"/>
-              <a:buNone/>
-              <a:defRPr sz="1700"/>
-            </a:lvl3pPr>
-            <a:lvl4pPr lvl="3" rtl="0">
-              <a:lnSpc>
-                <a:spcPct val="115000"/>
-              </a:lnSpc>
-              <a:spcBef>
-                <a:spcPts val="0"/>
-              </a:spcBef>
-              <a:spcAft>
-                <a:spcPts val="0"/>
-              </a:spcAft>
-              <a:buSzPts val="1700"/>
-              <a:buNone/>
-              <a:defRPr sz="1700"/>
-            </a:lvl4pPr>
-            <a:lvl5pPr lvl="4" rtl="0">
-              <a:lnSpc>
-                <a:spcPct val="115000"/>
-              </a:lnSpc>
-              <a:spcBef>
-                <a:spcPts val="0"/>
-              </a:spcBef>
-              <a:spcAft>
-                <a:spcPts val="0"/>
-              </a:spcAft>
-              <a:buSzPts val="1700"/>
-              <a:buNone/>
-              <a:defRPr sz="1700"/>
-            </a:lvl5pPr>
-            <a:lvl6pPr lvl="5" rtl="0">
-              <a:lnSpc>
-                <a:spcPct val="115000"/>
-              </a:lnSpc>
-              <a:spcBef>
-                <a:spcPts val="0"/>
-              </a:spcBef>
-              <a:spcAft>
-                <a:spcPts val="0"/>
-              </a:spcAft>
-              <a:buSzPts val="1700"/>
-              <a:buNone/>
-              <a:defRPr sz="1700"/>
-            </a:lvl6pPr>
-            <a:lvl7pPr lvl="6" rtl="0">
-              <a:lnSpc>
-                <a:spcPct val="115000"/>
-              </a:lnSpc>
-              <a:spcBef>
-                <a:spcPts val="0"/>
-              </a:spcBef>
-              <a:spcAft>
-                <a:spcPts val="0"/>
-              </a:spcAft>
-              <a:buSzPts val="1700"/>
-              <a:buNone/>
-              <a:defRPr sz="1700"/>
-            </a:lvl7pPr>
-            <a:lvl8pPr lvl="7" rtl="0">
-              <a:lnSpc>
-                <a:spcPct val="115000"/>
-              </a:lnSpc>
-              <a:spcBef>
-                <a:spcPts val="0"/>
-              </a:spcBef>
-              <a:spcAft>
-                <a:spcPts val="0"/>
-              </a:spcAft>
-              <a:buSzPts val="1700"/>
-              <a:buNone/>
-              <a:defRPr sz="1700"/>
-            </a:lvl8pPr>
-            <a:lvl9pPr lvl="8" rtl="0">
-              <a:lnSpc>
-                <a:spcPct val="115000"/>
-              </a:lnSpc>
-              <a:spcBef>
-                <a:spcPts val="0"/>
-              </a:spcBef>
-              <a:spcAft>
-                <a:spcPts val="0"/>
-              </a:spcAft>
-              <a:buSzPts val="1700"/>
-              <a:buNone/>
-              <a:defRPr sz="1700"/>
-            </a:lvl9pPr>
-          </a:lstStyle>
-          <a:p>
-            <a:endParaRPr/>
-          </a:p>
-        </p:txBody>
-      </p:sp>
-    </p:spTree>
-  </p:cSld>
-  <p:clrMapOvr>
-    <a:masterClrMapping/>
-  </p:clrMapOvr>
-</p:sldLayout>
-</file>
-
-<file path=ppt/slideLayouts/slideLayout11.xml><?xml version="1.0" encoding="utf-8"?>
 <p:sldLayout xmlns:a="http://schemas.openxmlformats.org/drawingml/2006/main" xmlns:r="http://schemas.openxmlformats.org/officeDocument/2006/relationships" xmlns:p="http://schemas.openxmlformats.org/presentationml/2006/main" matchingName="Слайд с кодом 2">
   <p:cSld name="CUSTOM_2_1">
     <p:spTree>
@@ -3963,7 +3502,7 @@
 </p:sldLayout>
 </file>
 
-<file path=ppt/slideLayouts/slideLayout12.xml><?xml version="1.0" encoding="utf-8"?>
+<file path=ppt/slideLayouts/slideLayout11.xml><?xml version="1.0" encoding="utf-8"?>
 <p:sldLayout xmlns:a="http://schemas.openxmlformats.org/drawingml/2006/main" xmlns:r="http://schemas.openxmlformats.org/officeDocument/2006/relationships" xmlns:p="http://schemas.openxmlformats.org/presentationml/2006/main" matchingName="Слайд КОД+ТЕКСТ 1">
   <p:cSld name="CUSTOM_4">
     <p:spTree>
@@ -4538,7 +4077,7 @@
 </p:sldLayout>
 </file>
 
-<file path=ppt/slideLayouts/slideLayout13.xml><?xml version="1.0" encoding="utf-8"?>
+<file path=ppt/slideLayouts/slideLayout12.xml><?xml version="1.0" encoding="utf-8"?>
 <p:sldLayout xmlns:a="http://schemas.openxmlformats.org/drawingml/2006/main" xmlns:r="http://schemas.openxmlformats.org/officeDocument/2006/relationships" xmlns:p="http://schemas.openxmlformats.org/presentationml/2006/main" matchingName="Слайд КОД+ТЕКСТ 2">
   <p:cSld name="CUSTOM_4_1">
     <p:spTree>
@@ -5501,395 +5040,6 @@
 </file>
 
 <file path=ppt/slideLayouts/slideLayout4.xml><?xml version="1.0" encoding="utf-8"?>
-<p:sldLayout xmlns:a="http://schemas.openxmlformats.org/drawingml/2006/main" xmlns:r="http://schemas.openxmlformats.org/officeDocument/2006/relationships" xmlns:p="http://schemas.openxmlformats.org/presentationml/2006/main" matchingName="Title and body" type="tx">
-  <p:cSld name="TITLE_AND_BODY">
-    <p:spTree>
-      <p:nvGrpSpPr>
-        <p:cNvPr id="1" name="Shape 18"/>
-        <p:cNvGrpSpPr/>
-        <p:nvPr/>
-      </p:nvGrpSpPr>
-      <p:grpSpPr>
-        <a:xfrm>
-          <a:off x="0" y="0"/>
-          <a:ext cx="0" cy="0"/>
-          <a:chOff x="0" y="0"/>
-          <a:chExt cx="0" cy="0"/>
-        </a:xfrm>
-      </p:grpSpPr>
-      <p:sp>
-        <p:nvSpPr>
-          <p:cNvPr id="19" name="Google Shape;19;p5"/>
-          <p:cNvSpPr txBox="1">
-            <a:spLocks noGrp="1"/>
-          </p:cNvSpPr>
-          <p:nvPr>
-            <p:ph type="title"/>
-          </p:nvPr>
-        </p:nvSpPr>
-        <p:spPr>
-          <a:xfrm>
-            <a:off x="500550" y="330724"/>
-            <a:ext cx="8520600" cy="1095900"/>
-          </a:xfrm>
-          <a:prstGeom prst="rect">
-            <a:avLst/>
-          </a:prstGeom>
-        </p:spPr>
-        <p:txBody>
-          <a:bodyPr spcFirstLastPara="1" wrap="square" lIns="91425" tIns="91425" rIns="91425" bIns="91425" anchor="t" anchorCtr="0">
-            <a:noAutofit/>
-          </a:bodyPr>
-          <a:lstStyle>
-            <a:lvl1pPr lvl="0" rtl="0">
-              <a:spcBef>
-                <a:spcPts val="0"/>
-              </a:spcBef>
-              <a:spcAft>
-                <a:spcPts val="0"/>
-              </a:spcAft>
-              <a:buSzPts val="3100"/>
-              <a:buNone/>
-              <a:defRPr/>
-            </a:lvl1pPr>
-            <a:lvl2pPr lvl="1" rtl="0">
-              <a:spcBef>
-                <a:spcPts val="0"/>
-              </a:spcBef>
-              <a:spcAft>
-                <a:spcPts val="0"/>
-              </a:spcAft>
-              <a:buSzPts val="2800"/>
-              <a:buNone/>
-              <a:defRPr/>
-            </a:lvl2pPr>
-            <a:lvl3pPr lvl="2" rtl="0">
-              <a:spcBef>
-                <a:spcPts val="0"/>
-              </a:spcBef>
-              <a:spcAft>
-                <a:spcPts val="0"/>
-              </a:spcAft>
-              <a:buSzPts val="2800"/>
-              <a:buNone/>
-              <a:defRPr/>
-            </a:lvl3pPr>
-            <a:lvl4pPr lvl="3" rtl="0">
-              <a:spcBef>
-                <a:spcPts val="0"/>
-              </a:spcBef>
-              <a:spcAft>
-                <a:spcPts val="0"/>
-              </a:spcAft>
-              <a:buSzPts val="2800"/>
-              <a:buNone/>
-              <a:defRPr/>
-            </a:lvl4pPr>
-            <a:lvl5pPr lvl="4" rtl="0">
-              <a:spcBef>
-                <a:spcPts val="0"/>
-              </a:spcBef>
-              <a:spcAft>
-                <a:spcPts val="0"/>
-              </a:spcAft>
-              <a:buSzPts val="2800"/>
-              <a:buNone/>
-              <a:defRPr/>
-            </a:lvl5pPr>
-            <a:lvl6pPr lvl="5" rtl="0">
-              <a:spcBef>
-                <a:spcPts val="0"/>
-              </a:spcBef>
-              <a:spcAft>
-                <a:spcPts val="0"/>
-              </a:spcAft>
-              <a:buSzPts val="2800"/>
-              <a:buNone/>
-              <a:defRPr/>
-            </a:lvl6pPr>
-            <a:lvl7pPr lvl="6" rtl="0">
-              <a:spcBef>
-                <a:spcPts val="0"/>
-              </a:spcBef>
-              <a:spcAft>
-                <a:spcPts val="0"/>
-              </a:spcAft>
-              <a:buSzPts val="2800"/>
-              <a:buNone/>
-              <a:defRPr/>
-            </a:lvl7pPr>
-            <a:lvl8pPr lvl="7" rtl="0">
-              <a:spcBef>
-                <a:spcPts val="0"/>
-              </a:spcBef>
-              <a:spcAft>
-                <a:spcPts val="0"/>
-              </a:spcAft>
-              <a:buSzPts val="2800"/>
-              <a:buNone/>
-              <a:defRPr/>
-            </a:lvl8pPr>
-            <a:lvl9pPr lvl="8" rtl="0">
-              <a:spcBef>
-                <a:spcPts val="0"/>
-              </a:spcBef>
-              <a:spcAft>
-                <a:spcPts val="0"/>
-              </a:spcAft>
-              <a:buSzPts val="2800"/>
-              <a:buNone/>
-              <a:defRPr/>
-            </a:lvl9pPr>
-          </a:lstStyle>
-          <a:p>
-            <a:endParaRPr/>
-          </a:p>
-        </p:txBody>
-      </p:sp>
-      <p:sp>
-        <p:nvSpPr>
-          <p:cNvPr id="20" name="Google Shape;20;p5"/>
-          <p:cNvSpPr txBox="1">
-            <a:spLocks noGrp="1"/>
-          </p:cNvSpPr>
-          <p:nvPr>
-            <p:ph type="body" idx="1"/>
-          </p:nvPr>
-        </p:nvSpPr>
-        <p:spPr>
-          <a:xfrm>
-            <a:off x="500550" y="1426469"/>
-            <a:ext cx="8520600" cy="3416400"/>
-          </a:xfrm>
-          <a:prstGeom prst="rect">
-            <a:avLst/>
-          </a:prstGeom>
-        </p:spPr>
-        <p:txBody>
-          <a:bodyPr spcFirstLastPara="1" wrap="square" lIns="91425" tIns="91425" rIns="91425" bIns="91425" anchor="t" anchorCtr="0">
-            <a:normAutofit/>
-          </a:bodyPr>
-          <a:lstStyle>
-            <a:lvl1pPr marL="457200" lvl="0" indent="-323850" rtl="0">
-              <a:lnSpc>
-                <a:spcPct val="120000"/>
-              </a:lnSpc>
-              <a:spcBef>
-                <a:spcPts val="300"/>
-              </a:spcBef>
-              <a:spcAft>
-                <a:spcPts val="0"/>
-              </a:spcAft>
-              <a:buSzPts val="1500"/>
-              <a:buChar char="●"/>
-              <a:defRPr sz="1500"/>
-            </a:lvl1pPr>
-            <a:lvl2pPr marL="914400" lvl="1" indent="-311150" rtl="0">
-              <a:lnSpc>
-                <a:spcPct val="120000"/>
-              </a:lnSpc>
-              <a:spcBef>
-                <a:spcPts val="300"/>
-              </a:spcBef>
-              <a:spcAft>
-                <a:spcPts val="0"/>
-              </a:spcAft>
-              <a:buSzPts val="1300"/>
-              <a:buChar char="○"/>
-              <a:defRPr sz="1300"/>
-            </a:lvl2pPr>
-            <a:lvl3pPr marL="1371600" lvl="2" indent="-311150" rtl="0">
-              <a:lnSpc>
-                <a:spcPct val="120000"/>
-              </a:lnSpc>
-              <a:spcBef>
-                <a:spcPts val="300"/>
-              </a:spcBef>
-              <a:spcAft>
-                <a:spcPts val="0"/>
-              </a:spcAft>
-              <a:buSzPts val="1300"/>
-              <a:buChar char="■"/>
-              <a:defRPr sz="1300"/>
-            </a:lvl3pPr>
-            <a:lvl4pPr marL="1828800" lvl="3" indent="-311150" rtl="0">
-              <a:lnSpc>
-                <a:spcPct val="120000"/>
-              </a:lnSpc>
-              <a:spcBef>
-                <a:spcPts val="300"/>
-              </a:spcBef>
-              <a:spcAft>
-                <a:spcPts val="0"/>
-              </a:spcAft>
-              <a:buSzPts val="1300"/>
-              <a:buChar char="●"/>
-              <a:defRPr sz="1300"/>
-            </a:lvl4pPr>
-            <a:lvl5pPr marL="2286000" lvl="4" indent="-311150" rtl="0">
-              <a:lnSpc>
-                <a:spcPct val="120000"/>
-              </a:lnSpc>
-              <a:spcBef>
-                <a:spcPts val="0"/>
-              </a:spcBef>
-              <a:spcAft>
-                <a:spcPts val="0"/>
-              </a:spcAft>
-              <a:buSzPts val="1300"/>
-              <a:buChar char="○"/>
-              <a:defRPr sz="1300"/>
-            </a:lvl5pPr>
-            <a:lvl6pPr marL="2743200" lvl="5" indent="-311150" rtl="0">
-              <a:lnSpc>
-                <a:spcPct val="120000"/>
-              </a:lnSpc>
-              <a:spcBef>
-                <a:spcPts val="300"/>
-              </a:spcBef>
-              <a:spcAft>
-                <a:spcPts val="0"/>
-              </a:spcAft>
-              <a:buSzPts val="1300"/>
-              <a:buChar char="■"/>
-              <a:defRPr sz="1300"/>
-            </a:lvl6pPr>
-            <a:lvl7pPr marL="3200400" lvl="6" indent="-311150" rtl="0">
-              <a:lnSpc>
-                <a:spcPct val="120000"/>
-              </a:lnSpc>
-              <a:spcBef>
-                <a:spcPts val="300"/>
-              </a:spcBef>
-              <a:spcAft>
-                <a:spcPts val="0"/>
-              </a:spcAft>
-              <a:buSzPts val="1300"/>
-              <a:buChar char="●"/>
-              <a:defRPr sz="1300"/>
-            </a:lvl7pPr>
-            <a:lvl8pPr marL="3657600" lvl="7" indent="-311150" rtl="0">
-              <a:lnSpc>
-                <a:spcPct val="120000"/>
-              </a:lnSpc>
-              <a:spcBef>
-                <a:spcPts val="300"/>
-              </a:spcBef>
-              <a:spcAft>
-                <a:spcPts val="0"/>
-              </a:spcAft>
-              <a:buSzPts val="1300"/>
-              <a:buChar char="○"/>
-              <a:defRPr sz="1300"/>
-            </a:lvl8pPr>
-            <a:lvl9pPr marL="4114800" lvl="8" indent="-311150" rtl="0">
-              <a:lnSpc>
-                <a:spcPct val="120000"/>
-              </a:lnSpc>
-              <a:spcBef>
-                <a:spcPts val="300"/>
-              </a:spcBef>
-              <a:spcAft>
-                <a:spcPts val="0"/>
-              </a:spcAft>
-              <a:buSzPts val="1300"/>
-              <a:buChar char="■"/>
-              <a:defRPr sz="1300"/>
-            </a:lvl9pPr>
-          </a:lstStyle>
-          <a:p>
-            <a:endParaRPr/>
-          </a:p>
-        </p:txBody>
-      </p:sp>
-      <p:sp>
-        <p:nvSpPr>
-          <p:cNvPr id="21" name="Google Shape;21;p5"/>
-          <p:cNvSpPr txBox="1">
-            <a:spLocks noGrp="1"/>
-          </p:cNvSpPr>
-          <p:nvPr>
-            <p:ph type="sldNum" idx="12"/>
-          </p:nvPr>
-        </p:nvSpPr>
-        <p:spPr>
-          <a:xfrm>
-            <a:off x="8472458" y="4663217"/>
-            <a:ext cx="548700" cy="393600"/>
-          </a:xfrm>
-          <a:prstGeom prst="rect">
-            <a:avLst/>
-          </a:prstGeom>
-        </p:spPr>
-        <p:txBody>
-          <a:bodyPr spcFirstLastPara="1" wrap="square" lIns="91425" tIns="91425" rIns="91425" bIns="91425" anchor="ctr" anchorCtr="0">
-            <a:normAutofit/>
-          </a:bodyPr>
-          <a:lstStyle>
-            <a:lvl1pPr lvl="0" rtl="0">
-              <a:buNone/>
-              <a:defRPr/>
-            </a:lvl1pPr>
-            <a:lvl2pPr lvl="1" rtl="0">
-              <a:buNone/>
-              <a:defRPr/>
-            </a:lvl2pPr>
-            <a:lvl3pPr lvl="2" rtl="0">
-              <a:buNone/>
-              <a:defRPr/>
-            </a:lvl3pPr>
-            <a:lvl4pPr lvl="3" rtl="0">
-              <a:buNone/>
-              <a:defRPr/>
-            </a:lvl4pPr>
-            <a:lvl5pPr lvl="4" rtl="0">
-              <a:buNone/>
-              <a:defRPr/>
-            </a:lvl5pPr>
-            <a:lvl6pPr lvl="5" rtl="0">
-              <a:buNone/>
-              <a:defRPr/>
-            </a:lvl6pPr>
-            <a:lvl7pPr lvl="6" rtl="0">
-              <a:buNone/>
-              <a:defRPr/>
-            </a:lvl7pPr>
-            <a:lvl8pPr lvl="7" rtl="0">
-              <a:buNone/>
-              <a:defRPr/>
-            </a:lvl8pPr>
-            <a:lvl9pPr lvl="8" rtl="0">
-              <a:buNone/>
-              <a:defRPr/>
-            </a:lvl9pPr>
-          </a:lstStyle>
-          <a:p>
-            <a:pPr marL="0" lvl="0" indent="0" algn="r" rtl="0">
-              <a:spcBef>
-                <a:spcPts val="0"/>
-              </a:spcBef>
-              <a:spcAft>
-                <a:spcPts val="0"/>
-              </a:spcAft>
-              <a:buNone/>
-            </a:pPr>
-            <a:fld id="{00000000-1234-1234-1234-123412341234}" type="slidenum">
-              <a:rPr lang="ru"/>
-              <a:t>‹#›</a:t>
-            </a:fld>
-            <a:endParaRPr/>
-          </a:p>
-        </p:txBody>
-      </p:sp>
-    </p:spTree>
-  </p:cSld>
-  <p:clrMapOvr>
-    <a:masterClrMapping/>
-  </p:clrMapOvr>
-</p:sldLayout>
-</file>
-
-<file path=ppt/slideLayouts/slideLayout5.xml><?xml version="1.0" encoding="utf-8"?>
 <p:sldLayout xmlns:a="http://schemas.openxmlformats.org/drawingml/2006/main" xmlns:r="http://schemas.openxmlformats.org/officeDocument/2006/relationships" xmlns:p="http://schemas.openxmlformats.org/presentationml/2006/main" matchingName="Тема вебинара" type="twoColTx">
   <p:cSld name="TITLE_AND_TWO_COLUMNS">
     <p:spTree>
@@ -7009,7 +6159,7 @@
 </p:sldLayout>
 </file>
 
-<file path=ppt/slideLayouts/slideLayout6.xml><?xml version="1.0" encoding="utf-8"?>
+<file path=ppt/slideLayouts/slideLayout5.xml><?xml version="1.0" encoding="utf-8"?>
 <p:sldLayout xmlns:a="http://schemas.openxmlformats.org/drawingml/2006/main" xmlns:r="http://schemas.openxmlformats.org/officeDocument/2006/relationships" xmlns:p="http://schemas.openxmlformats.org/presentationml/2006/main" matchingName="Разделительный слайд">
   <p:cSld name="MAIN_POINT">
     <p:spTree>
@@ -7276,7 +6426,7 @@
 </p:sldLayout>
 </file>
 
-<file path=ppt/slideLayouts/slideLayout7.xml><?xml version="1.0" encoding="utf-8"?>
+<file path=ppt/slideLayouts/slideLayout6.xml><?xml version="1.0" encoding="utf-8"?>
 <p:sldLayout xmlns:a="http://schemas.openxmlformats.org/drawingml/2006/main" xmlns:r="http://schemas.openxmlformats.org/officeDocument/2006/relationships" xmlns:p="http://schemas.openxmlformats.org/presentationml/2006/main" matchingName="О себе">
   <p:cSld name="CUSTOM_1">
     <p:spTree>
@@ -7868,7 +7018,7 @@
 </p:sldLayout>
 </file>
 
-<file path=ppt/slideLayouts/slideLayout8.xml><?xml version="1.0" encoding="utf-8"?>
+<file path=ppt/slideLayouts/slideLayout7.xml><?xml version="1.0" encoding="utf-8"?>
 <p:sldLayout xmlns:a="http://schemas.openxmlformats.org/drawingml/2006/main" xmlns:r="http://schemas.openxmlformats.org/officeDocument/2006/relationships" xmlns:p="http://schemas.openxmlformats.org/presentationml/2006/main" matchingName="Раздел+описание">
   <p:cSld name="SECTION_TITLE_AND_DESCRIPTION">
     <p:spTree>
@@ -8426,7 +7576,7 @@
 </p:sldLayout>
 </file>
 
-<file path=ppt/slideLayouts/slideLayout9.xml><?xml version="1.0" encoding="utf-8"?>
+<file path=ppt/slideLayouts/slideLayout8.xml><?xml version="1.0" encoding="utf-8"?>
 <p:sldLayout xmlns:a="http://schemas.openxmlformats.org/drawingml/2006/main" xmlns:r="http://schemas.openxmlformats.org/officeDocument/2006/relationships" xmlns:p="http://schemas.openxmlformats.org/presentationml/2006/main" matchingName="Заголовок">
   <p:cSld name="CUSTOM_3">
     <p:spTree>
@@ -8580,13 +7730,369 @@
 </p:sldLayout>
 </file>
 
+<file path=ppt/slideLayouts/slideLayout9.xml><?xml version="1.0" encoding="utf-8"?>
+<p:sldLayout xmlns:a="http://schemas.openxmlformats.org/drawingml/2006/main" xmlns:r="http://schemas.openxmlformats.org/officeDocument/2006/relationships" xmlns:p="http://schemas.openxmlformats.org/presentationml/2006/main" matchingName="Слайд с кодом 1">
+  <p:cSld name="CUSTOM_2">
+    <p:spTree>
+      <p:nvGrpSpPr>
+        <p:cNvPr id="1" name="Shape 47"/>
+        <p:cNvGrpSpPr/>
+        <p:nvPr/>
+      </p:nvGrpSpPr>
+      <p:grpSpPr>
+        <a:xfrm>
+          <a:off x="0" y="0"/>
+          <a:ext cx="0" cy="0"/>
+          <a:chOff x="0" y="0"/>
+          <a:chExt cx="0" cy="0"/>
+        </a:xfrm>
+      </p:grpSpPr>
+      <p:sp>
+        <p:nvSpPr>
+          <p:cNvPr id="48" name="Google Shape;48;p12"/>
+          <p:cNvSpPr txBox="1">
+            <a:spLocks noGrp="1"/>
+          </p:cNvSpPr>
+          <p:nvPr>
+            <p:ph type="title"/>
+          </p:nvPr>
+        </p:nvSpPr>
+        <p:spPr>
+          <a:xfrm>
+            <a:off x="500550" y="330724"/>
+            <a:ext cx="8520600" cy="1095900"/>
+          </a:xfrm>
+          <a:prstGeom prst="rect">
+            <a:avLst/>
+          </a:prstGeom>
+        </p:spPr>
+        <p:txBody>
+          <a:bodyPr spcFirstLastPara="1" wrap="square" lIns="91425" tIns="91425" rIns="91425" bIns="91425" anchor="t" anchorCtr="0">
+            <a:noAutofit/>
+          </a:bodyPr>
+          <a:lstStyle>
+            <a:lvl1pPr lvl="0">
+              <a:spcBef>
+                <a:spcPts val="0"/>
+              </a:spcBef>
+              <a:spcAft>
+                <a:spcPts val="0"/>
+              </a:spcAft>
+              <a:buSzPts val="3100"/>
+              <a:buNone/>
+              <a:defRPr/>
+            </a:lvl1pPr>
+            <a:lvl2pPr lvl="1">
+              <a:spcBef>
+                <a:spcPts val="0"/>
+              </a:spcBef>
+              <a:spcAft>
+                <a:spcPts val="0"/>
+              </a:spcAft>
+              <a:buSzPts val="2800"/>
+              <a:buNone/>
+              <a:defRPr/>
+            </a:lvl2pPr>
+            <a:lvl3pPr lvl="2">
+              <a:spcBef>
+                <a:spcPts val="0"/>
+              </a:spcBef>
+              <a:spcAft>
+                <a:spcPts val="0"/>
+              </a:spcAft>
+              <a:buSzPts val="2800"/>
+              <a:buNone/>
+              <a:defRPr/>
+            </a:lvl3pPr>
+            <a:lvl4pPr lvl="3">
+              <a:spcBef>
+                <a:spcPts val="0"/>
+              </a:spcBef>
+              <a:spcAft>
+                <a:spcPts val="0"/>
+              </a:spcAft>
+              <a:buSzPts val="2800"/>
+              <a:buNone/>
+              <a:defRPr/>
+            </a:lvl4pPr>
+            <a:lvl5pPr lvl="4">
+              <a:spcBef>
+                <a:spcPts val="0"/>
+              </a:spcBef>
+              <a:spcAft>
+                <a:spcPts val="0"/>
+              </a:spcAft>
+              <a:buSzPts val="2800"/>
+              <a:buNone/>
+              <a:defRPr/>
+            </a:lvl5pPr>
+            <a:lvl6pPr lvl="5">
+              <a:spcBef>
+                <a:spcPts val="0"/>
+              </a:spcBef>
+              <a:spcAft>
+                <a:spcPts val="0"/>
+              </a:spcAft>
+              <a:buSzPts val="2800"/>
+              <a:buNone/>
+              <a:defRPr/>
+            </a:lvl6pPr>
+            <a:lvl7pPr lvl="6">
+              <a:spcBef>
+                <a:spcPts val="0"/>
+              </a:spcBef>
+              <a:spcAft>
+                <a:spcPts val="0"/>
+              </a:spcAft>
+              <a:buSzPts val="2800"/>
+              <a:buNone/>
+              <a:defRPr/>
+            </a:lvl7pPr>
+            <a:lvl8pPr lvl="7">
+              <a:spcBef>
+                <a:spcPts val="0"/>
+              </a:spcBef>
+              <a:spcAft>
+                <a:spcPts val="0"/>
+              </a:spcAft>
+              <a:buSzPts val="2800"/>
+              <a:buNone/>
+              <a:defRPr/>
+            </a:lvl8pPr>
+            <a:lvl9pPr lvl="8">
+              <a:spcBef>
+                <a:spcPts val="0"/>
+              </a:spcBef>
+              <a:spcAft>
+                <a:spcPts val="0"/>
+              </a:spcAft>
+              <a:buSzPts val="2800"/>
+              <a:buNone/>
+              <a:defRPr/>
+            </a:lvl9pPr>
+          </a:lstStyle>
+          <a:p>
+            <a:endParaRPr/>
+          </a:p>
+        </p:txBody>
+      </p:sp>
+      <p:sp>
+        <p:nvSpPr>
+          <p:cNvPr id="49" name="Google Shape;49;p12"/>
+          <p:cNvSpPr/>
+          <p:nvPr/>
+        </p:nvSpPr>
+        <p:spPr>
+          <a:xfrm>
+            <a:off x="590475" y="1364975"/>
+            <a:ext cx="7988400" cy="3412500"/>
+          </a:xfrm>
+          <a:prstGeom prst="rect">
+            <a:avLst/>
+          </a:prstGeom>
+          <a:solidFill>
+            <a:srgbClr val="FBFBFE"/>
+          </a:solidFill>
+          <a:ln>
+            <a:noFill/>
+          </a:ln>
+        </p:spPr>
+        <p:txBody>
+          <a:bodyPr spcFirstLastPara="1" wrap="square" lIns="91425" tIns="91425" rIns="91425" bIns="91425" anchor="ctr" anchorCtr="0">
+            <a:noAutofit/>
+          </a:bodyPr>
+          <a:lstStyle/>
+          <a:p>
+            <a:pPr marL="0" lvl="0" indent="0" algn="l" rtl="0">
+              <a:spcBef>
+                <a:spcPts val="0"/>
+              </a:spcBef>
+              <a:spcAft>
+                <a:spcPts val="0"/>
+              </a:spcAft>
+              <a:buNone/>
+            </a:pPr>
+            <a:endParaRPr/>
+          </a:p>
+        </p:txBody>
+      </p:sp>
+      <p:sp>
+        <p:nvSpPr>
+          <p:cNvPr id="50" name="Google Shape;50;p12"/>
+          <p:cNvSpPr txBox="1">
+            <a:spLocks noGrp="1"/>
+          </p:cNvSpPr>
+          <p:nvPr>
+            <p:ph type="subTitle" idx="1"/>
+          </p:nvPr>
+        </p:nvSpPr>
+        <p:spPr>
+          <a:xfrm>
+            <a:off x="754725" y="1516446"/>
+            <a:ext cx="8226300" cy="3455100"/>
+          </a:xfrm>
+          <a:prstGeom prst="rect">
+            <a:avLst/>
+          </a:prstGeom>
+        </p:spPr>
+        <p:txBody>
+          <a:bodyPr spcFirstLastPara="1" wrap="square" lIns="91425" tIns="91425" rIns="91425" bIns="91425" anchor="t" anchorCtr="0">
+            <a:normAutofit/>
+          </a:bodyPr>
+          <a:lstStyle>
+            <a:lvl1pPr lvl="0" rtl="0">
+              <a:lnSpc>
+                <a:spcPct val="115000"/>
+              </a:lnSpc>
+              <a:spcBef>
+                <a:spcPts val="0"/>
+              </a:spcBef>
+              <a:spcAft>
+                <a:spcPts val="0"/>
+              </a:spcAft>
+              <a:buSzPts val="1100"/>
+              <a:buFont typeface="Courier New"/>
+              <a:buNone/>
+              <a:defRPr sz="1100">
+                <a:latin typeface="Courier New"/>
+                <a:ea typeface="Courier New"/>
+                <a:cs typeface="Courier New"/>
+                <a:sym typeface="Courier New"/>
+              </a:defRPr>
+            </a:lvl1pPr>
+            <a:lvl2pPr lvl="1" rtl="0">
+              <a:lnSpc>
+                <a:spcPct val="115000"/>
+              </a:lnSpc>
+              <a:spcBef>
+                <a:spcPts val="0"/>
+              </a:spcBef>
+              <a:spcAft>
+                <a:spcPts val="0"/>
+              </a:spcAft>
+              <a:buSzPts val="1700"/>
+              <a:buNone/>
+              <a:defRPr sz="1700"/>
+            </a:lvl2pPr>
+            <a:lvl3pPr lvl="2" rtl="0">
+              <a:lnSpc>
+                <a:spcPct val="115000"/>
+              </a:lnSpc>
+              <a:spcBef>
+                <a:spcPts val="0"/>
+              </a:spcBef>
+              <a:spcAft>
+                <a:spcPts val="0"/>
+              </a:spcAft>
+              <a:buSzPts val="1700"/>
+              <a:buNone/>
+              <a:defRPr sz="1700"/>
+            </a:lvl3pPr>
+            <a:lvl4pPr lvl="3" rtl="0">
+              <a:lnSpc>
+                <a:spcPct val="115000"/>
+              </a:lnSpc>
+              <a:spcBef>
+                <a:spcPts val="0"/>
+              </a:spcBef>
+              <a:spcAft>
+                <a:spcPts val="0"/>
+              </a:spcAft>
+              <a:buSzPts val="1700"/>
+              <a:buNone/>
+              <a:defRPr sz="1700"/>
+            </a:lvl4pPr>
+            <a:lvl5pPr lvl="4" rtl="0">
+              <a:lnSpc>
+                <a:spcPct val="115000"/>
+              </a:lnSpc>
+              <a:spcBef>
+                <a:spcPts val="0"/>
+              </a:spcBef>
+              <a:spcAft>
+                <a:spcPts val="0"/>
+              </a:spcAft>
+              <a:buSzPts val="1700"/>
+              <a:buNone/>
+              <a:defRPr sz="1700"/>
+            </a:lvl5pPr>
+            <a:lvl6pPr lvl="5" rtl="0">
+              <a:lnSpc>
+                <a:spcPct val="115000"/>
+              </a:lnSpc>
+              <a:spcBef>
+                <a:spcPts val="0"/>
+              </a:spcBef>
+              <a:spcAft>
+                <a:spcPts val="0"/>
+              </a:spcAft>
+              <a:buSzPts val="1700"/>
+              <a:buNone/>
+              <a:defRPr sz="1700"/>
+            </a:lvl6pPr>
+            <a:lvl7pPr lvl="6" rtl="0">
+              <a:lnSpc>
+                <a:spcPct val="115000"/>
+              </a:lnSpc>
+              <a:spcBef>
+                <a:spcPts val="0"/>
+              </a:spcBef>
+              <a:spcAft>
+                <a:spcPts val="0"/>
+              </a:spcAft>
+              <a:buSzPts val="1700"/>
+              <a:buNone/>
+              <a:defRPr sz="1700"/>
+            </a:lvl7pPr>
+            <a:lvl8pPr lvl="7" rtl="0">
+              <a:lnSpc>
+                <a:spcPct val="115000"/>
+              </a:lnSpc>
+              <a:spcBef>
+                <a:spcPts val="0"/>
+              </a:spcBef>
+              <a:spcAft>
+                <a:spcPts val="0"/>
+              </a:spcAft>
+              <a:buSzPts val="1700"/>
+              <a:buNone/>
+              <a:defRPr sz="1700"/>
+            </a:lvl8pPr>
+            <a:lvl9pPr lvl="8" rtl="0">
+              <a:lnSpc>
+                <a:spcPct val="115000"/>
+              </a:lnSpc>
+              <a:spcBef>
+                <a:spcPts val="0"/>
+              </a:spcBef>
+              <a:spcAft>
+                <a:spcPts val="0"/>
+              </a:spcAft>
+              <a:buSzPts val="1700"/>
+              <a:buNone/>
+              <a:defRPr sz="1700"/>
+            </a:lvl9pPr>
+          </a:lstStyle>
+          <a:p>
+            <a:endParaRPr/>
+          </a:p>
+        </p:txBody>
+      </p:sp>
+    </p:spTree>
+  </p:cSld>
+  <p:clrMapOvr>
+    <a:masterClrMapping/>
+  </p:clrMapOvr>
+</p:sldLayout>
+</file>
+
 <file path=ppt/slideMasters/slideMaster1.xml><?xml version="1.0" encoding="utf-8"?>
 <p:sldMaster xmlns:a="http://schemas.openxmlformats.org/drawingml/2006/main" xmlns:r="http://schemas.openxmlformats.org/officeDocument/2006/relationships" xmlns:p="http://schemas.openxmlformats.org/presentationml/2006/main">
   <p:cSld name="simple-light-2">
     <p:bg>
       <p:bgPr>
         <a:blipFill>
-          <a:blip r:embed="rId15">
+          <a:blip r:embed="rId14">
             <a:alphaModFix/>
           </a:blip>
           <a:stretch>
@@ -9245,16 +8751,15 @@
     <p:sldLayoutId id="2147483648" r:id="rId1"/>
     <p:sldLayoutId id="2147483649" r:id="rId2"/>
     <p:sldLayoutId id="2147483650" r:id="rId3"/>
-    <p:sldLayoutId id="2147483651" r:id="rId4"/>
-    <p:sldLayoutId id="2147483652" r:id="rId5"/>
-    <p:sldLayoutId id="2147483653" r:id="rId6"/>
-    <p:sldLayoutId id="2147483654" r:id="rId7"/>
-    <p:sldLayoutId id="2147483655" r:id="rId8"/>
-    <p:sldLayoutId id="2147483657" r:id="rId9"/>
-    <p:sldLayoutId id="2147483658" r:id="rId10"/>
-    <p:sldLayoutId id="2147483659" r:id="rId11"/>
-    <p:sldLayoutId id="2147483660" r:id="rId12"/>
-    <p:sldLayoutId id="2147483661" r:id="rId13"/>
+    <p:sldLayoutId id="2147483652" r:id="rId4"/>
+    <p:sldLayoutId id="2147483653" r:id="rId5"/>
+    <p:sldLayoutId id="2147483654" r:id="rId6"/>
+    <p:sldLayoutId id="2147483655" r:id="rId7"/>
+    <p:sldLayoutId id="2147483657" r:id="rId8"/>
+    <p:sldLayoutId id="2147483658" r:id="rId9"/>
+    <p:sldLayoutId id="2147483659" r:id="rId10"/>
+    <p:sldLayoutId id="2147483660" r:id="rId11"/>
+    <p:sldLayoutId id="2147483661" r:id="rId12"/>
   </p:sldLayoutIdLst>
   <p:hf sldNum="0" hdr="0" ftr="0" dt="0"/>
   <p:txStyles>
@@ -10194,447 +9699,6 @@
   <p:cSld>
     <p:spTree>
       <p:nvGrpSpPr>
-        <p:cNvPr id="1" name="Shape 127"/>
-        <p:cNvGrpSpPr/>
-        <p:nvPr/>
-      </p:nvGrpSpPr>
-      <p:grpSpPr>
-        <a:xfrm>
-          <a:off x="0" y="0"/>
-          <a:ext cx="0" cy="0"/>
-          <a:chOff x="0" y="0"/>
-          <a:chExt cx="0" cy="0"/>
-        </a:xfrm>
-      </p:grpSpPr>
-      <p:sp>
-        <p:nvSpPr>
-          <p:cNvPr id="128" name="Google Shape;128;p23"/>
-          <p:cNvSpPr txBox="1">
-            <a:spLocks noGrp="1"/>
-          </p:cNvSpPr>
-          <p:nvPr>
-            <p:ph type="title"/>
-          </p:nvPr>
-        </p:nvSpPr>
-        <p:spPr>
-          <a:xfrm>
-            <a:off x="500550" y="330724"/>
-            <a:ext cx="8520600" cy="1095900"/>
-          </a:xfrm>
-          <a:prstGeom prst="rect">
-            <a:avLst/>
-          </a:prstGeom>
-        </p:spPr>
-        <p:txBody>
-          <a:bodyPr spcFirstLastPara="1" wrap="square" lIns="91425" tIns="91425" rIns="91425" bIns="91425" anchor="t" anchorCtr="0">
-            <a:noAutofit/>
-          </a:bodyPr>
-          <a:lstStyle/>
-          <a:p>
-            <a:pPr marL="0" lvl="0" indent="0" algn="l" rtl="0">
-              <a:spcBef>
-                <a:spcPts val="0"/>
-              </a:spcBef>
-              <a:spcAft>
-                <a:spcPts val="0"/>
-              </a:spcAft>
-              <a:buNone/>
-            </a:pPr>
-            <a:r>
-              <a:rPr lang="ru" sz="3000"/>
-              <a:t>Что получилось</a:t>
-            </a:r>
-            <a:endParaRPr sz="3000"/>
-          </a:p>
-        </p:txBody>
-      </p:sp>
-      <p:sp>
-        <p:nvSpPr>
-          <p:cNvPr id="130" name="Google Shape;130;p23"/>
-          <p:cNvSpPr txBox="1"/>
-          <p:nvPr/>
-        </p:nvSpPr>
-        <p:spPr>
-          <a:xfrm>
-            <a:off x="5914101" y="1848463"/>
-            <a:ext cx="2820319" cy="2525121"/>
-          </a:xfrm>
-          <a:prstGeom prst="rect">
-            <a:avLst/>
-          </a:prstGeom>
-          <a:noFill/>
-          <a:ln>
-            <a:noFill/>
-          </a:ln>
-        </p:spPr>
-        <p:txBody>
-          <a:bodyPr spcFirstLastPara="1" wrap="square" lIns="91425" tIns="91425" rIns="91425" bIns="91425" anchor="t" anchorCtr="0">
-            <a:normAutofit fontScale="92500" lnSpcReduction="10000"/>
-          </a:bodyPr>
-          <a:lstStyle/>
-          <a:p>
-            <a:pPr marL="457200" lvl="0" indent="-317500" algn="l" rtl="0">
-              <a:spcBef>
-                <a:spcPts val="0"/>
-              </a:spcBef>
-              <a:spcAft>
-                <a:spcPts val="0"/>
-              </a:spcAft>
-              <a:buClr>
-                <a:srgbClr val="000000"/>
-              </a:buClr>
-              <a:buSzPts val="1400"/>
-              <a:buFont typeface="Roboto"/>
-              <a:buAutoNum type="arabicPeriod"/>
-            </a:pPr>
-            <a:r>
-              <a:rPr lang="ru" dirty="0">
-                <a:solidFill>
-                  <a:srgbClr val="000000"/>
-                </a:solidFill>
-                <a:latin typeface="Roboto"/>
-                <a:ea typeface="Roboto"/>
-                <a:cs typeface="Roboto"/>
-                <a:sym typeface="Roboto"/>
-              </a:rPr>
-              <a:t>Скрины основных экранов приложения и действий</a:t>
-            </a:r>
-            <a:endParaRPr dirty="0">
-              <a:solidFill>
-                <a:srgbClr val="000000"/>
-              </a:solidFill>
-              <a:latin typeface="Roboto"/>
-              <a:ea typeface="Roboto"/>
-              <a:cs typeface="Roboto"/>
-              <a:sym typeface="Roboto"/>
-            </a:endParaRPr>
-          </a:p>
-          <a:p>
-            <a:pPr marL="0" lvl="0" indent="0" algn="l" rtl="0">
-              <a:spcBef>
-                <a:spcPts val="0"/>
-              </a:spcBef>
-              <a:spcAft>
-                <a:spcPts val="0"/>
-              </a:spcAft>
-              <a:buNone/>
-            </a:pPr>
-            <a:endParaRPr dirty="0">
-              <a:solidFill>
-                <a:srgbClr val="000000"/>
-              </a:solidFill>
-              <a:latin typeface="Roboto"/>
-              <a:ea typeface="Roboto"/>
-              <a:cs typeface="Roboto"/>
-              <a:sym typeface="Roboto"/>
-            </a:endParaRPr>
-          </a:p>
-          <a:p>
-            <a:pPr marL="0" lvl="0" indent="0" algn="l" rtl="0">
-              <a:spcBef>
-                <a:spcPts val="0"/>
-              </a:spcBef>
-              <a:spcAft>
-                <a:spcPts val="0"/>
-              </a:spcAft>
-              <a:buNone/>
-            </a:pPr>
-            <a:r>
-              <a:rPr lang="ru" b="1" dirty="0">
-                <a:solidFill>
-                  <a:srgbClr val="000000"/>
-                </a:solidFill>
-                <a:latin typeface="Roboto"/>
-                <a:ea typeface="Roboto"/>
-                <a:cs typeface="Roboto"/>
-                <a:sym typeface="Roboto"/>
-              </a:rPr>
-              <a:t>или</a:t>
-            </a:r>
-            <a:endParaRPr b="1" dirty="0">
-              <a:solidFill>
-                <a:srgbClr val="000000"/>
-              </a:solidFill>
-              <a:latin typeface="Roboto"/>
-              <a:ea typeface="Roboto"/>
-              <a:cs typeface="Roboto"/>
-              <a:sym typeface="Roboto"/>
-            </a:endParaRPr>
-          </a:p>
-          <a:p>
-            <a:pPr marL="0" lvl="0" indent="0" algn="l" rtl="0">
-              <a:spcBef>
-                <a:spcPts val="0"/>
-              </a:spcBef>
-              <a:spcAft>
-                <a:spcPts val="0"/>
-              </a:spcAft>
-              <a:buNone/>
-            </a:pPr>
-            <a:endParaRPr dirty="0">
-              <a:solidFill>
-                <a:srgbClr val="000000"/>
-              </a:solidFill>
-              <a:latin typeface="Roboto"/>
-              <a:ea typeface="Roboto"/>
-              <a:cs typeface="Roboto"/>
-              <a:sym typeface="Roboto"/>
-            </a:endParaRPr>
-          </a:p>
-          <a:p>
-            <a:pPr marL="457200" lvl="0" indent="-317500" algn="l" rtl="0">
-              <a:spcBef>
-                <a:spcPts val="0"/>
-              </a:spcBef>
-              <a:spcAft>
-                <a:spcPts val="0"/>
-              </a:spcAft>
-              <a:buClr>
-                <a:srgbClr val="000000"/>
-              </a:buClr>
-              <a:buSzPts val="1400"/>
-              <a:buFont typeface="Roboto"/>
-              <a:buAutoNum type="arabicPeriod"/>
-            </a:pPr>
-            <a:r>
-              <a:rPr lang="ru" dirty="0">
-                <a:solidFill>
-                  <a:srgbClr val="000000"/>
-                </a:solidFill>
-                <a:latin typeface="Roboto"/>
-                <a:ea typeface="Roboto"/>
-                <a:cs typeface="Roboto"/>
-                <a:sym typeface="Roboto"/>
-              </a:rPr>
-              <a:t>Демонстрация приложения и исходных кодов</a:t>
-            </a:r>
-            <a:endParaRPr dirty="0">
-              <a:solidFill>
-                <a:srgbClr val="000000"/>
-              </a:solidFill>
-              <a:latin typeface="Roboto"/>
-              <a:ea typeface="Roboto"/>
-              <a:cs typeface="Roboto"/>
-              <a:sym typeface="Roboto"/>
-            </a:endParaRPr>
-          </a:p>
-          <a:p>
-            <a:pPr marL="0" lvl="0" indent="0" algn="l" rtl="0">
-              <a:spcBef>
-                <a:spcPts val="0"/>
-              </a:spcBef>
-              <a:spcAft>
-                <a:spcPts val="0"/>
-              </a:spcAft>
-              <a:buNone/>
-            </a:pPr>
-            <a:endParaRPr dirty="0">
-              <a:solidFill>
-                <a:srgbClr val="000000"/>
-              </a:solidFill>
-              <a:latin typeface="Roboto"/>
-              <a:ea typeface="Roboto"/>
-              <a:cs typeface="Roboto"/>
-              <a:sym typeface="Roboto"/>
-            </a:endParaRPr>
-          </a:p>
-          <a:p>
-            <a:pPr marL="0" lvl="0" indent="0" algn="l" rtl="0">
-              <a:spcBef>
-                <a:spcPts val="0"/>
-              </a:spcBef>
-              <a:spcAft>
-                <a:spcPts val="0"/>
-              </a:spcAft>
-              <a:buNone/>
-            </a:pPr>
-            <a:r>
-              <a:rPr lang="ru" b="1" dirty="0">
-                <a:solidFill>
-                  <a:srgbClr val="000000"/>
-                </a:solidFill>
-                <a:latin typeface="Roboto"/>
-                <a:ea typeface="Roboto"/>
-                <a:cs typeface="Roboto"/>
-                <a:sym typeface="Roboto"/>
-              </a:rPr>
-              <a:t>или</a:t>
-            </a:r>
-            <a:endParaRPr b="1" dirty="0">
-              <a:solidFill>
-                <a:srgbClr val="000000"/>
-              </a:solidFill>
-              <a:latin typeface="Roboto"/>
-              <a:ea typeface="Roboto"/>
-              <a:cs typeface="Roboto"/>
-              <a:sym typeface="Roboto"/>
-            </a:endParaRPr>
-          </a:p>
-          <a:p>
-            <a:pPr marL="0" lvl="0" indent="0" algn="l" rtl="0">
-              <a:spcBef>
-                <a:spcPts val="0"/>
-              </a:spcBef>
-              <a:spcAft>
-                <a:spcPts val="0"/>
-              </a:spcAft>
-              <a:buNone/>
-            </a:pPr>
-            <a:endParaRPr dirty="0">
-              <a:solidFill>
-                <a:srgbClr val="000000"/>
-              </a:solidFill>
-              <a:latin typeface="Roboto"/>
-              <a:ea typeface="Roboto"/>
-              <a:cs typeface="Roboto"/>
-              <a:sym typeface="Roboto"/>
-            </a:endParaRPr>
-          </a:p>
-          <a:p>
-            <a:pPr marL="457200" lvl="0" indent="-317500" algn="l" rtl="0">
-              <a:spcBef>
-                <a:spcPts val="0"/>
-              </a:spcBef>
-              <a:spcAft>
-                <a:spcPts val="0"/>
-              </a:spcAft>
-              <a:buClr>
-                <a:srgbClr val="000000"/>
-              </a:buClr>
-              <a:buSzPts val="1400"/>
-              <a:buFont typeface="Roboto"/>
-              <a:buAutoNum type="arabicPeriod"/>
-            </a:pPr>
-            <a:r>
-              <a:rPr lang="ru" dirty="0">
-                <a:solidFill>
-                  <a:srgbClr val="000000"/>
-                </a:solidFill>
-                <a:latin typeface="Roboto"/>
-                <a:ea typeface="Roboto"/>
-                <a:cs typeface="Roboto"/>
-                <a:sym typeface="Roboto"/>
-              </a:rPr>
-              <a:t>Ссылка на репозиторий с исходными кодами или просто удачные кусочки</a:t>
-            </a:r>
-            <a:endParaRPr dirty="0">
-              <a:solidFill>
-                <a:srgbClr val="000000"/>
-              </a:solidFill>
-              <a:latin typeface="Roboto"/>
-              <a:ea typeface="Roboto"/>
-              <a:cs typeface="Roboto"/>
-              <a:sym typeface="Roboto"/>
-            </a:endParaRPr>
-          </a:p>
-        </p:txBody>
-      </p:sp>
-      <p:sp>
-        <p:nvSpPr>
-          <p:cNvPr id="7" name="Google Shape;130;p23">
-            <a:extLst>
-              <a:ext uri="{FF2B5EF4-FFF2-40B4-BE49-F238E27FC236}">
-                <a16:creationId xmlns:a16="http://schemas.microsoft.com/office/drawing/2014/main" id="{D0B577BF-3F2A-49B9-A8F3-5EC9213F9F28}"/>
-              </a:ext>
-            </a:extLst>
-          </p:cNvPr>
-          <p:cNvSpPr txBox="1"/>
-          <p:nvPr/>
-        </p:nvSpPr>
-        <p:spPr>
-          <a:xfrm>
-            <a:off x="2646140" y="1309189"/>
-            <a:ext cx="2820319" cy="917817"/>
-          </a:xfrm>
-          <a:prstGeom prst="rect">
-            <a:avLst/>
-          </a:prstGeom>
-          <a:noFill/>
-          <a:ln>
-            <a:noFill/>
-          </a:ln>
-        </p:spPr>
-        <p:txBody>
-          <a:bodyPr spcFirstLastPara="1" wrap="square" lIns="91425" tIns="91425" rIns="91425" bIns="91425" anchor="t" anchorCtr="0">
-            <a:normAutofit/>
-          </a:bodyPr>
-          <a:lstStyle/>
-          <a:p>
-            <a:pPr marL="457200" lvl="0" indent="-317500" algn="l" rtl="0">
-              <a:spcBef>
-                <a:spcPts val="0"/>
-              </a:spcBef>
-              <a:spcAft>
-                <a:spcPts val="0"/>
-              </a:spcAft>
-              <a:buClr>
-                <a:srgbClr val="000000"/>
-              </a:buClr>
-              <a:buSzPts val="1400"/>
-              <a:buFont typeface="Roboto"/>
-              <a:buAutoNum type="arabicPeriod"/>
-            </a:pPr>
-            <a:r>
-              <a:rPr lang="ru-RU" dirty="0">
-                <a:latin typeface="Roboto"/>
-                <a:ea typeface="Roboto"/>
-                <a:cs typeface="Roboto"/>
-                <a:sym typeface="Roboto"/>
-              </a:rPr>
-              <a:t>Можно сюда картинок с </a:t>
-            </a:r>
-            <a:r>
-              <a:rPr lang="ru-RU" dirty="0" err="1">
-                <a:latin typeface="Roboto"/>
-                <a:ea typeface="Roboto"/>
-                <a:cs typeface="Roboto"/>
-                <a:sym typeface="Roboto"/>
-              </a:rPr>
-              <a:t>реакта</a:t>
-            </a:r>
-            <a:r>
-              <a:rPr lang="ru-RU" dirty="0">
-                <a:latin typeface="Roboto"/>
-                <a:ea typeface="Roboto"/>
-                <a:cs typeface="Roboto"/>
-                <a:sym typeface="Roboto"/>
-              </a:rPr>
-              <a:t> </a:t>
-            </a:r>
-            <a:r>
-              <a:rPr lang="en-US" dirty="0">
-                <a:latin typeface="Roboto"/>
-                <a:ea typeface="Roboto"/>
-                <a:cs typeface="Roboto"/>
-                <a:sym typeface="Roboto"/>
-              </a:rPr>
-              <a:t>UI</a:t>
-            </a:r>
-            <a:endParaRPr dirty="0">
-              <a:solidFill>
-                <a:srgbClr val="000000"/>
-              </a:solidFill>
-              <a:latin typeface="Roboto"/>
-              <a:ea typeface="Roboto"/>
-              <a:cs typeface="Roboto"/>
-              <a:sym typeface="Roboto"/>
-            </a:endParaRPr>
-          </a:p>
-        </p:txBody>
-      </p:sp>
-    </p:spTree>
-  </p:cSld>
-  <p:clrMapOvr>
-    <a:masterClrMapping/>
-  </p:clrMapOvr>
-</p:sld>
-</file>
-
-<file path=ppt/slides/slide12.xml><?xml version="1.0" encoding="utf-8"?>
-<p:sld xmlns:a="http://schemas.openxmlformats.org/drawingml/2006/main" xmlns:r="http://schemas.openxmlformats.org/officeDocument/2006/relationships" xmlns:p="http://schemas.openxmlformats.org/presentationml/2006/main">
-  <p:cSld>
-    <p:spTree>
-      <p:nvGrpSpPr>
         <p:cNvPr id="1" name="Shape 134"/>
         <p:cNvGrpSpPr/>
         <p:nvPr/>
@@ -11042,7 +10106,7 @@
 </p:sld>
 </file>
 
-<file path=ppt/slides/slide13.xml><?xml version="1.0" encoding="utf-8"?>
+<file path=ppt/slides/slide12.xml><?xml version="1.0" encoding="utf-8"?>
 <p:sld xmlns:a="http://schemas.openxmlformats.org/drawingml/2006/main" xmlns:r="http://schemas.openxmlformats.org/officeDocument/2006/relationships" xmlns:p="http://schemas.openxmlformats.org/presentationml/2006/main">
   <p:cSld>
     <p:spTree>
@@ -11178,7 +10242,29 @@
                   <a:srgbClr val="FFFFFF"/>
                 </a:highlight>
               </a:rPr>
-              <a:t>С .NET Core Microsoft представила абстракцию </a:t>
+              <a:t>.NET Core </a:t>
+            </a:r>
+            <a:r>
+              <a:rPr lang="ru-RU" sz="1150" dirty="0" err="1">
+                <a:solidFill>
+                  <a:srgbClr val="0C0D0E"/>
+                </a:solidFill>
+                <a:highlight>
+                  <a:srgbClr val="FFFFFF"/>
+                </a:highlight>
+              </a:rPr>
+              <a:t>Microsoft</a:t>
+            </a:r>
+            <a:r>
+              <a:rPr lang="ru-RU" sz="1150" dirty="0">
+                <a:solidFill>
+                  <a:srgbClr val="0C0D0E"/>
+                </a:solidFill>
+                <a:highlight>
+                  <a:srgbClr val="FFFFFF"/>
+                </a:highlight>
+              </a:rPr>
+              <a:t> представляет абстракцию </a:t>
             </a:r>
             <a:r>
               <a:rPr lang="ru-RU" sz="1150" dirty="0" err="1">
@@ -11222,7 +10308,7 @@
                   <a:srgbClr val="FFFFFF"/>
                 </a:highlight>
               </a:rPr>
-              <a:t>. Вы можете использовать эту абстракцию логирования в своем проекте и интегрировать ее с </a:t>
+              <a:t>. Мы использовали эту абстракцию логирования в своем проекте и интегрировали ее с </a:t>
             </a:r>
             <a:r>
               <a:rPr lang="ru-RU" sz="1150" dirty="0" err="1">
@@ -11339,8 +10425,8 @@
         </p:nvSpPr>
         <p:spPr>
           <a:xfrm>
-            <a:off x="2344848" y="3043578"/>
-            <a:ext cx="4180800" cy="2228651"/>
+            <a:off x="2047668" y="3673396"/>
+            <a:ext cx="5503752" cy="1617861"/>
           </a:xfrm>
           <a:prstGeom prst="rect">
             <a:avLst/>
@@ -11356,47 +10442,6 @@
           </a:bodyPr>
           <a:lstStyle/>
           <a:p>
-            <a:pPr marL="0" lvl="0" indent="0" algn="l" rtl="0">
-              <a:lnSpc>
-                <a:spcPct val="156923"/>
-              </a:lnSpc>
-              <a:spcBef>
-                <a:spcPts val="1600"/>
-              </a:spcBef>
-              <a:spcAft>
-                <a:spcPts val="0"/>
-              </a:spcAft>
-              <a:buNone/>
-            </a:pPr>
-            <a:r>
-              <a:rPr lang="ru" sz="1300" dirty="0">
-                <a:solidFill>
-                  <a:srgbClr val="374151"/>
-                </a:solidFill>
-                <a:highlight>
-                  <a:srgbClr val="FFFFFF"/>
-                </a:highlight>
-                <a:latin typeface="+mj-lt"/>
-                <a:ea typeface="Roboto" panose="02000000000000000000" pitchFamily="2" charset="0"/>
-                <a:cs typeface="Roboto" panose="02000000000000000000" pitchFamily="2" charset="0"/>
-                <a:sym typeface="Roboto"/>
-              </a:rPr>
-              <a:t>Шаги:</a:t>
-            </a:r>
-            <a:endParaRPr sz="1200" dirty="0">
-              <a:solidFill>
-                <a:srgbClr val="374151"/>
-              </a:solidFill>
-              <a:highlight>
-                <a:srgbClr val="FFFFFF"/>
-              </a:highlight>
-              <a:latin typeface="+mj-lt"/>
-              <a:ea typeface="Roboto" panose="02000000000000000000" pitchFamily="2" charset="0"/>
-              <a:cs typeface="Roboto" panose="02000000000000000000" pitchFamily="2" charset="0"/>
-              <a:sym typeface="Roboto"/>
-            </a:endParaRPr>
-          </a:p>
-          <a:p>
             <a:pPr marL="457200" lvl="0" indent="-304800" algn="l" rtl="0">
               <a:lnSpc>
                 <a:spcPct val="115000"/>
@@ -11424,22 +10469,10 @@
                 <a:cs typeface="Roboto" panose="02000000000000000000" pitchFamily="2" charset="0"/>
                 <a:sym typeface="Roboto"/>
               </a:rPr>
-              <a:t>Установите</a:t>
+              <a:t>Установка </a:t>
             </a:r>
             <a:r>
-              <a:rPr lang="en-US" sz="1150" dirty="0">
-                <a:solidFill>
-                  <a:srgbClr val="374151"/>
-                </a:solidFill>
-                <a:latin typeface="+mj-lt"/>
-                <a:ea typeface="Roboto" panose="02000000000000000000" pitchFamily="2" charset="0"/>
-                <a:cs typeface="Roboto" panose="02000000000000000000" pitchFamily="2" charset="0"/>
-                <a:sym typeface="Roboto"/>
-              </a:rPr>
-              <a:t> </a:t>
-            </a:r>
-            <a:r>
-              <a:rPr lang="en-US" sz="1150" dirty="0" err="1">
+              <a:rPr lang="ru-RU" sz="1150" dirty="0" err="1">
                 <a:solidFill>
                   <a:srgbClr val="374151"/>
                 </a:solidFill>
@@ -11451,7 +10484,7 @@
               <a:t>NLog</a:t>
             </a:r>
             <a:r>
-              <a:rPr lang="en-US" sz="1150" dirty="0">
+              <a:rPr lang="ru-RU" sz="1150" dirty="0">
                 <a:solidFill>
                   <a:srgbClr val="374151"/>
                 </a:solidFill>
@@ -11460,31 +10493,7 @@
                 <a:cs typeface="Roboto" panose="02000000000000000000" pitchFamily="2" charset="0"/>
                 <a:sym typeface="Roboto"/>
               </a:rPr>
-              <a:t> </a:t>
-            </a:r>
-            <a:r>
-              <a:rPr lang="ru-RU" sz="1150" dirty="0">
-                <a:solidFill>
-                  <a:srgbClr val="374151"/>
-                </a:solidFill>
-                <a:latin typeface="+mj-lt"/>
-                <a:ea typeface="Roboto" panose="02000000000000000000" pitchFamily="2" charset="0"/>
-                <a:cs typeface="Roboto" panose="02000000000000000000" pitchFamily="2" charset="0"/>
-                <a:sym typeface="Roboto"/>
-              </a:rPr>
-              <a:t>и его зависимости</a:t>
-            </a:r>
-            <a:r>
-              <a:rPr lang="en-US" sz="1150" dirty="0">
-                <a:solidFill>
-                  <a:srgbClr val="374151"/>
-                </a:solidFill>
-                <a:latin typeface="+mj-lt"/>
-                <a:ea typeface="Roboto" panose="02000000000000000000" pitchFamily="2" charset="0"/>
-                <a:cs typeface="Roboto" panose="02000000000000000000" pitchFamily="2" charset="0"/>
-                <a:sym typeface="Roboto"/>
-              </a:rPr>
-              <a:t>.</a:t>
+              <a:t> и его зависимости.</a:t>
             </a:r>
           </a:p>
           <a:p>
@@ -11515,7 +10524,7 @@
                 <a:cs typeface="Roboto" panose="02000000000000000000" pitchFamily="2" charset="0"/>
                 <a:sym typeface="Roboto"/>
               </a:rPr>
-              <a:t>Создайте и сконфигурируйте логгер </a:t>
+              <a:t>Создание и конфигурация логгера </a:t>
             </a:r>
             <a:r>
               <a:rPr lang="en-US" sz="1150" dirty="0" err="1">
@@ -11606,7 +10615,7 @@
                 <a:cs typeface="Roboto" panose="02000000000000000000" pitchFamily="2" charset="0"/>
                 <a:sym typeface="Roboto"/>
               </a:rPr>
-              <a:t>Интегрируйте </a:t>
+              <a:t>Интеграция </a:t>
             </a:r>
             <a:r>
               <a:rPr lang="en-US" sz="1150" dirty="0" err="1">
@@ -11641,7 +10650,18 @@
                 <a:ea typeface="Roboto" panose="02000000000000000000" pitchFamily="2" charset="0"/>
                 <a:cs typeface="Roboto" panose="02000000000000000000" pitchFamily="2" charset="0"/>
               </a:rPr>
-              <a:t>Microsoft.Extensions.Logging в своем приложении</a:t>
+              <a:t>Microsoft.Extensions.Logging в сво</a:t>
+            </a:r>
+            <a:r>
+              <a:rPr lang="ru-RU" sz="1150" dirty="0">
+                <a:solidFill>
+                  <a:srgbClr val="0C0D0E"/>
+                </a:solidFill>
+                <a:latin typeface="+mj-lt"/>
+                <a:ea typeface="Roboto" panose="02000000000000000000" pitchFamily="2" charset="0"/>
+                <a:cs typeface="Roboto" panose="02000000000000000000" pitchFamily="2" charset="0"/>
+              </a:rPr>
+              <a:t>е приложение</a:t>
             </a:r>
             <a:r>
               <a:rPr lang="en-US" sz="1150" dirty="0">
@@ -11675,6 +10695,41 @@
               <a:cs typeface="Roboto"/>
               <a:sym typeface="Roboto"/>
             </a:endParaRPr>
+          </a:p>
+        </p:txBody>
+      </p:sp>
+      <p:sp>
+        <p:nvSpPr>
+          <p:cNvPr id="2" name="TextBox 1">
+            <a:extLst>
+              <a:ext uri="{FF2B5EF4-FFF2-40B4-BE49-F238E27FC236}">
+                <a16:creationId xmlns:a16="http://schemas.microsoft.com/office/drawing/2014/main" id="{59786BB9-7B19-469B-9624-86415279F146}"/>
+              </a:ext>
+            </a:extLst>
+          </p:cNvPr>
+          <p:cNvSpPr txBox="1"/>
+          <p:nvPr/>
+        </p:nvSpPr>
+        <p:spPr>
+          <a:xfrm>
+            <a:off x="2476500" y="3646148"/>
+            <a:ext cx="1965960" cy="307777"/>
+          </a:xfrm>
+          <a:prstGeom prst="rect">
+            <a:avLst/>
+          </a:prstGeom>
+          <a:noFill/>
+        </p:spPr>
+        <p:txBody>
+          <a:bodyPr wrap="square" rtlCol="0">
+            <a:spAutoFit/>
+          </a:bodyPr>
+          <a:lstStyle/>
+          <a:p>
+            <a:r>
+              <a:rPr lang="ru-RU" dirty="0"/>
+              <a:t>Интеграция в проект:</a:t>
+            </a:r>
           </a:p>
         </p:txBody>
       </p:sp>
@@ -11691,7 +10746,7 @@
 </p:sld>
 </file>
 
-<file path=ppt/slides/slide14.xml><?xml version="1.0" encoding="utf-8"?>
+<file path=ppt/slides/slide13.xml><?xml version="1.0" encoding="utf-8"?>
 <p:sld xmlns:a="http://schemas.openxmlformats.org/drawingml/2006/main" xmlns:r="http://schemas.openxmlformats.org/officeDocument/2006/relationships" xmlns:p="http://schemas.openxmlformats.org/presentationml/2006/main">
   <p:cSld>
     <p:spTree>
@@ -11776,53 +10831,6 @@
       </p:sp>
       <p:pic>
         <p:nvPicPr>
-          <p:cNvPr id="1032" name="Picture 8">
-            <a:extLst>
-              <a:ext uri="{FF2B5EF4-FFF2-40B4-BE49-F238E27FC236}">
-                <a16:creationId xmlns:a16="http://schemas.microsoft.com/office/drawing/2014/main" id="{B7349473-791B-C360-454B-9BCC8BD3E115}"/>
-              </a:ext>
-            </a:extLst>
-          </p:cNvPr>
-          <p:cNvPicPr>
-            <a:picLocks noChangeAspect="1" noChangeArrowheads="1"/>
-          </p:cNvPicPr>
-          <p:nvPr/>
-        </p:nvPicPr>
-        <p:blipFill>
-          <a:blip r:embed="rId3">
-            <a:extLst>
-              <a:ext uri="{28A0092B-C50C-407E-A947-70E740481C1C}">
-                <a14:useLocalDpi xmlns:a14="http://schemas.microsoft.com/office/drawing/2010/main" val="0"/>
-              </a:ext>
-            </a:extLst>
-          </a:blip>
-          <a:srcRect/>
-          <a:stretch>
-            <a:fillRect/>
-          </a:stretch>
-        </p:blipFill>
-        <p:spPr bwMode="auto">
-          <a:xfrm flipH="1">
-            <a:off x="7994213" y="60561"/>
-            <a:ext cx="1003487" cy="1186848"/>
-          </a:xfrm>
-          <a:prstGeom prst="rect">
-            <a:avLst/>
-          </a:prstGeom>
-          <a:noFill/>
-          <a:extLst>
-            <a:ext uri="{909E8E84-426E-40DD-AFC4-6F175D3DCCD1}">
-              <a14:hiddenFill xmlns:a14="http://schemas.microsoft.com/office/drawing/2010/main">
-                <a:solidFill>
-                  <a:srgbClr val="FFFFFF"/>
-                </a:solidFill>
-              </a14:hiddenFill>
-            </a:ext>
-          </a:extLst>
-        </p:spPr>
-      </p:pic>
-      <p:pic>
-        <p:nvPicPr>
           <p:cNvPr id="1035" name="Picture 11" descr="GitHub - Burgyn/MMLib.SwaggerForOcelot: This repo contains swagger  extension for ocelot.">
             <a:extLst>
               <a:ext uri="{FF2B5EF4-FFF2-40B4-BE49-F238E27FC236}">
@@ -11836,7 +10844,7 @@
           <p:nvPr/>
         </p:nvPicPr>
         <p:blipFill>
-          <a:blip r:embed="rId4">
+          <a:blip r:embed="rId3">
             <a:extLst>
               <a:ext uri="{28A0092B-C50C-407E-A947-70E740481C1C}">
                 <a14:useLocalDpi xmlns:a14="http://schemas.microsoft.com/office/drawing/2010/main" val="0"/>
@@ -11881,7 +10889,7 @@
           <p:nvPr/>
         </p:nvPicPr>
         <p:blipFill>
-          <a:blip r:embed="rId5">
+          <a:blip r:embed="rId4">
             <a:alphaModFix/>
           </a:blip>
           <a:stretch>
@@ -11915,7 +10923,7 @@
           <p:nvPr/>
         </p:nvPicPr>
         <p:blipFill>
-          <a:blip r:embed="rId6">
+          <a:blip r:embed="rId5">
             <a:alphaModFix/>
           </a:blip>
           <a:stretch>
@@ -11949,7 +10957,7 @@
           <p:nvPr/>
         </p:nvPicPr>
         <p:blipFill>
-          <a:blip r:embed="rId7">
+          <a:blip r:embed="rId6">
             <a:alphaModFix/>
           </a:blip>
           <a:stretch>
@@ -11970,6 +10978,53 @@
           </a:ln>
         </p:spPr>
       </p:pic>
+      <p:pic>
+        <p:nvPicPr>
+          <p:cNvPr id="1026" name="Picture 2" descr="NuGet Gallery | Ocelot 23.3.3">
+            <a:extLst>
+              <a:ext uri="{FF2B5EF4-FFF2-40B4-BE49-F238E27FC236}">
+                <a16:creationId xmlns:a16="http://schemas.microsoft.com/office/drawing/2014/main" id="{FEF98B39-FD1F-4F43-BA05-670905D4CD06}"/>
+              </a:ext>
+            </a:extLst>
+          </p:cNvPr>
+          <p:cNvPicPr>
+            <a:picLocks noChangeAspect="1" noChangeArrowheads="1"/>
+          </p:cNvPicPr>
+          <p:nvPr/>
+        </p:nvPicPr>
+        <p:blipFill>
+          <a:blip r:embed="rId7">
+            <a:extLst>
+              <a:ext uri="{28A0092B-C50C-407E-A947-70E740481C1C}">
+                <a14:useLocalDpi xmlns:a14="http://schemas.microsoft.com/office/drawing/2010/main" val="0"/>
+              </a:ext>
+            </a:extLst>
+          </a:blip>
+          <a:srcRect/>
+          <a:stretch>
+            <a:fillRect/>
+          </a:stretch>
+        </p:blipFill>
+        <p:spPr bwMode="auto">
+          <a:xfrm>
+            <a:off x="8015289" y="70748"/>
+            <a:ext cx="926590" cy="1095900"/>
+          </a:xfrm>
+          <a:prstGeom prst="rect">
+            <a:avLst/>
+          </a:prstGeom>
+          <a:noFill/>
+          <a:extLst>
+            <a:ext uri="{909E8E84-426E-40DD-AFC4-6F175D3DCCD1}">
+              <a14:hiddenFill xmlns:a14="http://schemas.microsoft.com/office/drawing/2010/main">
+                <a:solidFill>
+                  <a:srgbClr val="FFFFFF"/>
+                </a:solidFill>
+              </a14:hiddenFill>
+            </a:ext>
+          </a:extLst>
+        </p:spPr>
+      </p:pic>
     </p:spTree>
     <p:extLst>
       <p:ext uri="{BB962C8B-B14F-4D97-AF65-F5344CB8AC3E}">
@@ -11983,7 +11038,7 @@
 </p:sld>
 </file>
 
-<file path=ppt/slides/slide15.xml><?xml version="1.0" encoding="utf-8"?>
+<file path=ppt/slides/slide14.xml><?xml version="1.0" encoding="utf-8"?>
 <p:sld xmlns:a="http://schemas.openxmlformats.org/drawingml/2006/main" xmlns:r="http://schemas.openxmlformats.org/officeDocument/2006/relationships" xmlns:p="http://schemas.openxmlformats.org/presentationml/2006/main">
   <p:cSld>
     <p:spTree>
@@ -12292,7 +11347,7 @@
 </p:sld>
 </file>
 
-<file path=ppt/slides/slide16.xml><?xml version="1.0" encoding="utf-8"?>
+<file path=ppt/slides/slide15.xml><?xml version="1.0" encoding="utf-8"?>
 <p:sld xmlns:a="http://schemas.openxmlformats.org/drawingml/2006/main" xmlns:r="http://schemas.openxmlformats.org/officeDocument/2006/relationships" xmlns:p="http://schemas.openxmlformats.org/presentationml/2006/main">
   <p:cSld>
     <p:spTree>
@@ -12359,7 +11414,7 @@
 </p:sld>
 </file>
 
-<file path=ppt/slides/slide17.xml><?xml version="1.0" encoding="utf-8"?>
+<file path=ppt/slides/slide16.xml><?xml version="1.0" encoding="utf-8"?>
 <p:sld xmlns:a="http://schemas.openxmlformats.org/drawingml/2006/main" xmlns:r="http://schemas.openxmlformats.org/officeDocument/2006/relationships" xmlns:p="http://schemas.openxmlformats.org/presentationml/2006/main">
   <p:cSld>
     <p:spTree>
@@ -13578,7 +12633,7 @@
 </p:sld>
 </file>
 
-<file path=ppt/slides/slide18.xml><?xml version="1.0" encoding="utf-8"?>
+<file path=ppt/slides/slide17.xml><?xml version="1.0" encoding="utf-8"?>
 <p:sld xmlns:a="http://schemas.openxmlformats.org/drawingml/2006/main" xmlns:r="http://schemas.openxmlformats.org/officeDocument/2006/relationships" xmlns:p="http://schemas.openxmlformats.org/presentationml/2006/main">
   <p:cSld>
     <p:spTree>
@@ -14676,7 +13731,7 @@
 </p:sld>
 </file>
 
-<file path=ppt/slides/slide19.xml><?xml version="1.0" encoding="utf-8"?>
+<file path=ppt/slides/slide18.xml><?xml version="1.0" encoding="utf-8"?>
 <p:sld xmlns:a="http://schemas.openxmlformats.org/drawingml/2006/main" xmlns:r="http://schemas.openxmlformats.org/officeDocument/2006/relationships" xmlns:p="http://schemas.openxmlformats.org/presentationml/2006/main">
   <p:cSld>
     <p:spTree>
@@ -15432,6 +14487,33 @@
               <a:buNone/>
             </a:pPr>
             <a:r>
+              <a:rPr lang="ru-RU" dirty="0">
+                <a:solidFill>
+                  <a:schemeClr val="accent4"/>
+                </a:solidFill>
+              </a:rPr>
+              <a:t>Команда </a:t>
+            </a:r>
+            <a:r>
+              <a:rPr lang="en-US" dirty="0">
+                <a:solidFill>
+                  <a:schemeClr val="accent4"/>
+                </a:solidFill>
+              </a:rPr>
+              <a:t>Orange:</a:t>
+            </a:r>
+          </a:p>
+          <a:p>
+            <a:pPr marL="0" lvl="0" indent="0" algn="l" rtl="0">
+              <a:spcBef>
+                <a:spcPts val="0"/>
+              </a:spcBef>
+              <a:spcAft>
+                <a:spcPts val="0"/>
+              </a:spcAft>
+              <a:buNone/>
+            </a:pPr>
+            <a:r>
               <a:rPr lang="ru" dirty="0">
                 <a:solidFill>
                   <a:srgbClr val="02418B"/>
@@ -15459,7 +14541,7 @@
               <a:t>Худяш</a:t>
             </a:r>
             <a:r>
-              <a:rPr lang="ru-RU">
+              <a:rPr lang="ru-RU" dirty="0">
                 <a:solidFill>
                   <a:srgbClr val="02418B"/>
                 </a:solidFill>
@@ -15467,20 +14549,12 @@
               <a:t>о</a:t>
             </a:r>
             <a:r>
-              <a:rPr lang="ru">
+              <a:rPr lang="ru" dirty="0">
                 <a:solidFill>
                   <a:srgbClr val="02418B"/>
                 </a:solidFill>
               </a:rPr>
-              <a:t>в </a:t>
-            </a:r>
-            <a:r>
-              <a:rPr lang="ru" dirty="0">
-                <a:solidFill>
-                  <a:srgbClr val="02418B"/>
-                </a:solidFill>
-              </a:rPr>
-              <a:t>Александр</a:t>
+              <a:t>в Александр</a:t>
             </a:r>
           </a:p>
           <a:p>
